--- a/Abschlusspräsentation_V0.3.pptx
+++ b/Abschlusspräsentation_V0.3.pptx
@@ -23,6 +23,7 @@
     <p:sldId id="268" r:id="rId20"/>
     <p:sldId id="269" r:id="rId21"/>
     <p:sldId id="270" r:id="rId22"/>
+    <p:sldId id="271" r:id="rId23"/>
   </p:sldIdLst>
   <p:sldSz cx="9144000" cy="6858000"/>
   <p:notesSz cx="6858000" cy="9144000"/>
@@ -4114,7 +4115,7 @@
         <p:spPr>
           <a:xfrm flipH="1">
             <a:off x="2222165" y="3546914"/>
-            <a:ext cx="2148241" cy="2148241"/>
+            <a:ext cx="2148241" cy="2148242"/>
           </a:xfrm>
           <a:prstGeom prst="line">
             <a:avLst/>
@@ -11483,7 +11484,7 @@
         </p:nvGraphicFramePr>
         <p:xfrm>
           <a:off x="5828626" y="1260285"/>
-          <a:ext cx="1204142" cy="764383"/>
+          <a:ext cx="1204143" cy="764383"/>
         </p:xfrm>
         <a:graphic xmlns:a="http://schemas.openxmlformats.org/drawingml/2006/main">
           <a:graphicData uri="http://schemas.openxmlformats.org/drawingml/2006/table">
@@ -11929,7 +11930,7 @@
       </p:sp>
       <p:sp>
         <p:nvSpPr>
-          <p:cNvPr id="625" name="Text"/>
+          <p:cNvPr id="625" name="Wer ist Ansprechpartner aller nachfolgend ausfallenden Maschinen wenn Sensor oder Komponente kaputt ist?…"/>
           <p:cNvSpPr txBox="1"/>
           <p:nvPr>
             <p:ph type="body" idx="1"/>
@@ -11949,6 +11950,29 @@
                 <a:blip r:embed="rId2"/>
               </a:buBlip>
             </a:pPr>
+            <a:r>
+              <a:t>Wer ist Ansprechpartner aller nachfolgend ausfallenden Maschinen wenn Sensor oder Komponente kaputt ist?</a:t>
+            </a:r>
+          </a:p>
+          <a:p>
+            <a:pPr>
+              <a:buBlip>
+                <a:blip r:embed="rId2"/>
+              </a:buBlip>
+            </a:pPr>
+            <a:r>
+              <a:t>SQL Suche, Joins zeigen</a:t>
+            </a:r>
+          </a:p>
+          <a:p>
+            <a:pPr>
+              <a:buBlip>
+                <a:blip r:embed="rId2"/>
+              </a:buBlip>
+            </a:pPr>
+            <a:r>
+              <a:t>Graph-Suche</a:t>
+            </a:r>
           </a:p>
         </p:txBody>
       </p:sp>
@@ -12007,7 +12031,7 @@
       </p:sp>
       <p:sp>
         <p:nvSpPr>
-          <p:cNvPr id="628" name="Sources"/>
+          <p:cNvPr id="628" name="Advantages - Case Search"/>
           <p:cNvSpPr txBox="1"/>
           <p:nvPr>
             <p:ph type="title"/>
@@ -12024,8 +12048,2378 @@
           <a:p>
             <a:pPr/>
             <a:r>
-              <a:t>Sources</a:t>
-            </a:r>
+              <a:t>Advantages - Case Search</a:t>
+            </a:r>
+          </a:p>
+        </p:txBody>
+      </p:sp>
+      <p:sp>
+        <p:nvSpPr>
+          <p:cNvPr id="629" name="SQL Suche, Joins zeigen"/>
+          <p:cNvSpPr txBox="1"/>
+          <p:nvPr>
+            <p:ph type="body" idx="1"/>
+          </p:nvPr>
+        </p:nvSpPr>
+        <p:spPr>
+          <a:prstGeom prst="rect">
+            <a:avLst/>
+          </a:prstGeom>
+        </p:spPr>
+        <p:txBody>
+          <a:bodyPr/>
+          <a:lstStyle>
+            <a:lvl1pPr>
+              <a:buBlip>
+                <a:blip r:embed="rId2"/>
+              </a:buBlip>
+            </a:lvl1pPr>
+          </a:lstStyle>
+          <a:p>
+            <a:pPr/>
+            <a:r>
+              <a:t>SQL Suche, Joins zeigen</a:t>
+            </a:r>
+          </a:p>
+        </p:txBody>
+      </p:sp>
+      <p:graphicFrame>
+        <p:nvGraphicFramePr>
+          <p:cNvPr id="630" name="Tabelle"/>
+          <p:cNvGraphicFramePr/>
+          <p:nvPr/>
+        </p:nvGraphicFramePr>
+        <p:xfrm>
+          <a:off x="555770" y="2616651"/>
+          <a:ext cx="1226848" cy="1163279"/>
+        </p:xfrm>
+        <a:graphic xmlns:a="http://schemas.openxmlformats.org/drawingml/2006/main">
+          <a:graphicData uri="http://schemas.openxmlformats.org/drawingml/2006/table">
+            <a:tbl>
+              <a:tblPr firstCol="0" firstRow="0" lastCol="0" lastRow="0" bandCol="0" bandRow="1" rtl="0">
+                <a:tableStyleId>{4C3C2611-4C71-4FC5-86AE-919BDF0F9419}</a:tableStyleId>
+              </a:tblPr>
+              <a:tblGrid>
+                <a:gridCol w="607073"/>
+                <a:gridCol w="607073"/>
+              </a:tblGrid>
+              <a:tr h="160529">
+                <a:tc gridSpan="2">
+                  <a:txBody>
+                    <a:bodyPr/>
+                    <a:lstStyle/>
+                    <a:p>
+                      <a:pPr algn="ctr">
+                        <a:spcBef>
+                          <a:spcPts val="0"/>
+                        </a:spcBef>
+                        <a:defRPr sz="1800"/>
+                      </a:pPr>
+                      <a:r>
+                        <a:rPr i="1" sz="1100"/>
+                        <a:t>supply</a:t>
+                      </a:r>
+                    </a:p>
+                  </a:txBody>
+                  <a:tcPr marL="0" marR="0" marT="0" marB="0" anchor="t" anchorCtr="0" horzOverflow="overflow"/>
+                </a:tc>
+                <a:tc hMerge="1">
+                  <a:tcPr/>
+                </a:tc>
+              </a:tr>
+              <a:tr h="185944">
+                <a:tc>
+                  <a:txBody>
+                    <a:bodyPr/>
+                    <a:lstStyle/>
+                    <a:p>
+                      <a:pPr algn="ctr">
+                        <a:spcBef>
+                          <a:spcPts val="0"/>
+                        </a:spcBef>
+                        <a:defRPr sz="1800"/>
+                      </a:pPr>
+                      <a:r>
+                        <a:rPr b="1" sz="1100"/>
+                        <a:t>ID_m</a:t>
+                      </a:r>
+                    </a:p>
+                  </a:txBody>
+                  <a:tcPr marL="0" marR="0" marT="0" marB="0" anchor="t" anchorCtr="0" horzOverflow="overflow"/>
+                </a:tc>
+                <a:tc>
+                  <a:txBody>
+                    <a:bodyPr/>
+                    <a:lstStyle/>
+                    <a:p>
+                      <a:pPr algn="ctr">
+                        <a:spcBef>
+                          <a:spcPts val="0"/>
+                        </a:spcBef>
+                        <a:defRPr sz="1800"/>
+                      </a:pPr>
+                      <a:r>
+                        <a:rPr b="1" sz="1100"/>
+                        <a:t>ID_succ</a:t>
+                      </a:r>
+                    </a:p>
+                  </a:txBody>
+                  <a:tcPr marL="0" marR="0" marT="0" marB="0" anchor="t" anchorCtr="0" horzOverflow="overflow"/>
+                </a:tc>
+              </a:tr>
+              <a:tr h="160529">
+                <a:tc>
+                  <a:txBody>
+                    <a:bodyPr/>
+                    <a:lstStyle/>
+                    <a:p>
+                      <a:pPr algn="ctr">
+                        <a:spcBef>
+                          <a:spcPts val="0"/>
+                        </a:spcBef>
+                        <a:defRPr sz="1800"/>
+                      </a:pPr>
+                      <a:r>
+                        <a:rPr sz="1100"/>
+                        <a:t>001</a:t>
+                      </a:r>
+                    </a:p>
+                  </a:txBody>
+                  <a:tcPr marL="0" marR="0" marT="0" marB="0" anchor="t" anchorCtr="0" horzOverflow="overflow"/>
+                </a:tc>
+                <a:tc>
+                  <a:txBody>
+                    <a:bodyPr/>
+                    <a:lstStyle/>
+                    <a:p>
+                      <a:pPr algn="ctr">
+                        <a:spcBef>
+                          <a:spcPts val="0"/>
+                        </a:spcBef>
+                        <a:defRPr sz="1800"/>
+                      </a:pPr>
+                      <a:r>
+                        <a:rPr sz="1100"/>
+                        <a:t>002</a:t>
+                      </a:r>
+                    </a:p>
+                  </a:txBody>
+                  <a:tcPr marL="0" marR="0" marT="0" marB="0" anchor="t" anchorCtr="0" horzOverflow="overflow"/>
+                </a:tc>
+              </a:tr>
+              <a:tr h="160529">
+                <a:tc>
+                  <a:txBody>
+                    <a:bodyPr/>
+                    <a:lstStyle/>
+                    <a:p>
+                      <a:pPr algn="ctr">
+                        <a:spcBef>
+                          <a:spcPts val="0"/>
+                        </a:spcBef>
+                        <a:defRPr sz="1800"/>
+                      </a:pPr>
+                      <a:r>
+                        <a:rPr sz="1100"/>
+                        <a:t>001</a:t>
+                      </a:r>
+                    </a:p>
+                  </a:txBody>
+                  <a:tcPr marL="0" marR="0" marT="0" marB="0" anchor="t" anchorCtr="0" horzOverflow="overflow"/>
+                </a:tc>
+                <a:tc>
+                  <a:txBody>
+                    <a:bodyPr/>
+                    <a:lstStyle/>
+                    <a:p>
+                      <a:pPr algn="ctr">
+                        <a:spcBef>
+                          <a:spcPts val="0"/>
+                        </a:spcBef>
+                        <a:defRPr sz="1800"/>
+                      </a:pPr>
+                      <a:r>
+                        <a:rPr sz="1100"/>
+                        <a:t>003</a:t>
+                      </a:r>
+                    </a:p>
+                  </a:txBody>
+                  <a:tcPr marL="0" marR="0" marT="0" marB="0" anchor="t" anchorCtr="0" horzOverflow="overflow"/>
+                </a:tc>
+              </a:tr>
+              <a:tr h="160529">
+                <a:tc>
+                  <a:txBody>
+                    <a:bodyPr/>
+                    <a:lstStyle/>
+                    <a:p>
+                      <a:pPr algn="ctr">
+                        <a:spcBef>
+                          <a:spcPts val="0"/>
+                        </a:spcBef>
+                        <a:defRPr sz="1800"/>
+                      </a:pPr>
+                      <a:r>
+                        <a:rPr sz="1100"/>
+                        <a:t>002</a:t>
+                      </a:r>
+                    </a:p>
+                  </a:txBody>
+                  <a:tcPr marL="0" marR="0" marT="0" marB="0" anchor="t" anchorCtr="0" horzOverflow="overflow"/>
+                </a:tc>
+                <a:tc>
+                  <a:txBody>
+                    <a:bodyPr/>
+                    <a:lstStyle/>
+                    <a:p>
+                      <a:pPr algn="ctr">
+                        <a:spcBef>
+                          <a:spcPts val="0"/>
+                        </a:spcBef>
+                        <a:defRPr sz="1800"/>
+                      </a:pPr>
+                      <a:r>
+                        <a:rPr sz="1100"/>
+                        <a:t>005</a:t>
+                      </a:r>
+                    </a:p>
+                  </a:txBody>
+                  <a:tcPr marL="0" marR="0" marT="0" marB="0" anchor="t" anchorCtr="0" horzOverflow="overflow"/>
+                </a:tc>
+              </a:tr>
+              <a:tr h="160529">
+                <a:tc>
+                  <a:txBody>
+                    <a:bodyPr/>
+                    <a:lstStyle/>
+                    <a:p>
+                      <a:pPr algn="ctr">
+                        <a:spcBef>
+                          <a:spcPts val="0"/>
+                        </a:spcBef>
+                        <a:defRPr sz="1800"/>
+                      </a:pPr>
+                      <a:r>
+                        <a:rPr sz="1100"/>
+                        <a:t>003</a:t>
+                      </a:r>
+                    </a:p>
+                  </a:txBody>
+                  <a:tcPr marL="0" marR="0" marT="0" marB="0" anchor="t" anchorCtr="0" horzOverflow="overflow"/>
+                </a:tc>
+                <a:tc>
+                  <a:txBody>
+                    <a:bodyPr/>
+                    <a:lstStyle/>
+                    <a:p>
+                      <a:pPr algn="ctr">
+                        <a:spcBef>
+                          <a:spcPts val="0"/>
+                        </a:spcBef>
+                        <a:defRPr sz="1800"/>
+                      </a:pPr>
+                      <a:r>
+                        <a:rPr sz="1100"/>
+                        <a:t>005</a:t>
+                      </a:r>
+                    </a:p>
+                  </a:txBody>
+                  <a:tcPr marL="0" marR="0" marT="0" marB="0" anchor="t" anchorCtr="0" horzOverflow="overflow"/>
+                </a:tc>
+              </a:tr>
+              <a:tr h="160529">
+                <a:tc>
+                  <a:txBody>
+                    <a:bodyPr/>
+                    <a:lstStyle/>
+                    <a:p>
+                      <a:pPr algn="ctr">
+                        <a:spcBef>
+                          <a:spcPts val="0"/>
+                        </a:spcBef>
+                        <a:defRPr sz="1800"/>
+                      </a:pPr>
+                      <a:r>
+                        <a:rPr sz="1100"/>
+                        <a:t>005</a:t>
+                      </a:r>
+                    </a:p>
+                  </a:txBody>
+                  <a:tcPr marL="0" marR="0" marT="0" marB="0" anchor="t" anchorCtr="0" horzOverflow="overflow"/>
+                </a:tc>
+                <a:tc>
+                  <a:txBody>
+                    <a:bodyPr/>
+                    <a:lstStyle/>
+                    <a:p>
+                      <a:pPr algn="ctr">
+                        <a:spcBef>
+                          <a:spcPts val="0"/>
+                        </a:spcBef>
+                        <a:defRPr sz="1800"/>
+                      </a:pPr>
+                      <a:r>
+                        <a:rPr sz="1100"/>
+                        <a:t>004</a:t>
+                      </a:r>
+                    </a:p>
+                  </a:txBody>
+                  <a:tcPr marL="0" marR="0" marT="0" marB="0" anchor="t" anchorCtr="0" horzOverflow="overflow"/>
+                </a:tc>
+              </a:tr>
+              <a:tr h="160529">
+                <a:tc>
+                  <a:txBody>
+                    <a:bodyPr/>
+                    <a:lstStyle/>
+                    <a:p>
+                      <a:pPr algn="ctr">
+                        <a:spcBef>
+                          <a:spcPts val="0"/>
+                        </a:spcBef>
+                        <a:defRPr sz="1800"/>
+                      </a:pPr>
+                      <a:r>
+                        <a:rPr sz="1100"/>
+                        <a:t>004</a:t>
+                      </a:r>
+                    </a:p>
+                  </a:txBody>
+                  <a:tcPr marL="0" marR="0" marT="0" marB="0" anchor="t" anchorCtr="0" horzOverflow="overflow"/>
+                </a:tc>
+                <a:tc>
+                  <a:txBody>
+                    <a:bodyPr/>
+                    <a:lstStyle/>
+                    <a:p>
+                      <a:pPr algn="ctr">
+                        <a:spcBef>
+                          <a:spcPts val="0"/>
+                        </a:spcBef>
+                        <a:defRPr sz="1800"/>
+                      </a:pPr>
+                      <a:r>
+                        <a:rPr sz="1100"/>
+                        <a:t>006</a:t>
+                      </a:r>
+                    </a:p>
+                  </a:txBody>
+                  <a:tcPr marL="0" marR="0" marT="0" marB="0" anchor="t" anchorCtr="0" horzOverflow="overflow"/>
+                </a:tc>
+              </a:tr>
+              <a:tr h="160529">
+                <a:tc>
+                  <a:txBody>
+                    <a:bodyPr/>
+                    <a:lstStyle/>
+                    <a:p>
+                      <a:pPr algn="ctr">
+                        <a:spcBef>
+                          <a:spcPts val="0"/>
+                        </a:spcBef>
+                        <a:defRPr sz="1800"/>
+                      </a:pPr>
+                      <a:r>
+                        <a:rPr sz="1100"/>
+                        <a:t>004</a:t>
+                      </a:r>
+                    </a:p>
+                  </a:txBody>
+                  <a:tcPr marL="0" marR="0" marT="0" marB="0" anchor="t" anchorCtr="0" horzOverflow="overflow"/>
+                </a:tc>
+                <a:tc>
+                  <a:txBody>
+                    <a:bodyPr/>
+                    <a:lstStyle/>
+                    <a:p>
+                      <a:pPr algn="ctr">
+                        <a:spcBef>
+                          <a:spcPts val="0"/>
+                        </a:spcBef>
+                        <a:defRPr sz="1800"/>
+                      </a:pPr>
+                      <a:r>
+                        <a:rPr sz="1100"/>
+                        <a:t>007</a:t>
+                      </a:r>
+                    </a:p>
+                  </a:txBody>
+                  <a:tcPr marL="0" marR="0" marT="0" marB="0" anchor="t" anchorCtr="0" horzOverflow="overflow"/>
+                </a:tc>
+              </a:tr>
+              <a:tr h="160529">
+                <a:tc>
+                  <a:txBody>
+                    <a:bodyPr/>
+                    <a:lstStyle/>
+                    <a:p>
+                      <a:pPr algn="ctr">
+                        <a:spcBef>
+                          <a:spcPts val="0"/>
+                        </a:spcBef>
+                        <a:defRPr sz="1800"/>
+                      </a:pPr>
+                      <a:r>
+                        <a:rPr sz="1100"/>
+                        <a:t>006</a:t>
+                      </a:r>
+                    </a:p>
+                  </a:txBody>
+                  <a:tcPr marL="0" marR="0" marT="0" marB="0" anchor="t" anchorCtr="0" horzOverflow="overflow"/>
+                </a:tc>
+                <a:tc>
+                  <a:txBody>
+                    <a:bodyPr/>
+                    <a:lstStyle/>
+                    <a:p>
+                      <a:pPr algn="ctr">
+                        <a:spcBef>
+                          <a:spcPts val="0"/>
+                        </a:spcBef>
+                        <a:defRPr sz="1800"/>
+                      </a:pPr>
+                      <a:r>
+                        <a:rPr sz="1100"/>
+                        <a:t>007</a:t>
+                      </a:r>
+                    </a:p>
+                  </a:txBody>
+                  <a:tcPr marL="0" marR="0" marT="0" marB="0" anchor="t" anchorCtr="0" horzOverflow="overflow"/>
+                </a:tc>
+              </a:tr>
+            </a:tbl>
+          </a:graphicData>
+        </a:graphic>
+      </p:graphicFrame>
+      <p:sp>
+        <p:nvSpPr>
+          <p:cNvPr id="631" name="Maschinen 002 und 003."/>
+          <p:cNvSpPr txBox="1"/>
+          <p:nvPr/>
+        </p:nvSpPr>
+        <p:spPr>
+          <a:xfrm>
+            <a:off x="555770" y="4317999"/>
+            <a:ext cx="1214148" cy="619856"/>
+          </a:xfrm>
+          <a:prstGeom prst="rect">
+            <a:avLst/>
+          </a:prstGeom>
+          <a:ln w="12700">
+            <a:miter lim="400000"/>
+          </a:ln>
+          <a:extLst>
+            <a:ext uri="{C572A759-6A51-4108-AA02-DFA0A04FC94B}">
+              <ma14:wrappingTextBoxFlag xmlns:ma14="http://schemas.microsoft.com/office/mac/drawingml/2011/main" val="1"/>
+            </a:ext>
+          </a:extLst>
+        </p:spPr>
+        <p:txBody>
+          <a:bodyPr lIns="45719" rIns="45719">
+            <a:spAutoFit/>
+          </a:bodyPr>
+          <a:lstStyle>
+            <a:lvl1pPr>
+              <a:defRPr sz="1200"/>
+            </a:lvl1pPr>
+          </a:lstStyle>
+          <a:p>
+            <a:pPr/>
+            <a:r>
+              <a:t>Maschinen 002 und 003.</a:t>
+            </a:r>
+          </a:p>
+        </p:txBody>
+      </p:sp>
+      <p:sp>
+        <p:nvSpPr>
+          <p:cNvPr id="632" name="Maschine 1 ist Kaputt, welche Maschinen folgen?"/>
+          <p:cNvSpPr txBox="1"/>
+          <p:nvPr/>
+        </p:nvSpPr>
+        <p:spPr>
+          <a:xfrm>
+            <a:off x="549420" y="1818997"/>
+            <a:ext cx="1214148" cy="975455"/>
+          </a:xfrm>
+          <a:prstGeom prst="rect">
+            <a:avLst/>
+          </a:prstGeom>
+          <a:ln w="12700">
+            <a:miter lim="400000"/>
+          </a:ln>
+          <a:extLst>
+            <a:ext uri="{C572A759-6A51-4108-AA02-DFA0A04FC94B}">
+              <ma14:wrappingTextBoxFlag xmlns:ma14="http://schemas.microsoft.com/office/mac/drawingml/2011/main" val="1"/>
+            </a:ext>
+          </a:extLst>
+        </p:spPr>
+        <p:txBody>
+          <a:bodyPr lIns="45719" rIns="45719">
+            <a:spAutoFit/>
+          </a:bodyPr>
+          <a:lstStyle>
+            <a:lvl1pPr>
+              <a:defRPr sz="1200"/>
+            </a:lvl1pPr>
+          </a:lstStyle>
+          <a:p>
+            <a:pPr/>
+            <a:r>
+              <a:t>Maschine 1 ist Kaputt, welche Maschinen folgen?</a:t>
+            </a:r>
+          </a:p>
+        </p:txBody>
+      </p:sp>
+      <p:graphicFrame>
+        <p:nvGraphicFramePr>
+          <p:cNvPr id="633" name="Tabelle"/>
+          <p:cNvGraphicFramePr/>
+          <p:nvPr/>
+        </p:nvGraphicFramePr>
+        <p:xfrm>
+          <a:off x="2376807" y="2616651"/>
+          <a:ext cx="1482406" cy="1045616"/>
+        </p:xfrm>
+        <a:graphic xmlns:a="http://schemas.openxmlformats.org/drawingml/2006/main">
+          <a:graphicData uri="http://schemas.openxmlformats.org/drawingml/2006/table">
+            <a:tbl>
+              <a:tblPr firstCol="0" firstRow="0" lastCol="0" lastRow="0" bandCol="0" bandRow="1" rtl="0">
+                <a:tableStyleId>{4C3C2611-4C71-4FC5-86AE-919BDF0F9419}</a:tableStyleId>
+              </a:tblPr>
+              <a:tblGrid>
+                <a:gridCol w="767420"/>
+                <a:gridCol w="702285"/>
+              </a:tblGrid>
+              <a:tr h="172152">
+                <a:tc gridSpan="2">
+                  <a:txBody>
+                    <a:bodyPr/>
+                    <a:lstStyle/>
+                    <a:p>
+                      <a:pPr algn="ctr">
+                        <a:spcBef>
+                          <a:spcPts val="0"/>
+                        </a:spcBef>
+                        <a:defRPr sz="1800"/>
+                      </a:pPr>
+                      <a:r>
+                        <a:rPr i="1" sz="1100"/>
+                        <a:t>operators</a:t>
+                      </a:r>
+                    </a:p>
+                  </a:txBody>
+                  <a:tcPr marL="0" marR="0" marT="0" marB="0" anchor="t" anchorCtr="0" horzOverflow="overflow"/>
+                </a:tc>
+                <a:tc hMerge="1">
+                  <a:tcPr/>
+                </a:tc>
+              </a:tr>
+              <a:tr h="172152">
+                <a:tc>
+                  <a:txBody>
+                    <a:bodyPr/>
+                    <a:lstStyle/>
+                    <a:p>
+                      <a:pPr algn="ctr">
+                        <a:spcBef>
+                          <a:spcPts val="0"/>
+                        </a:spcBef>
+                        <a:defRPr sz="1800"/>
+                      </a:pPr>
+                      <a:r>
+                        <a:rPr b="1" sz="1100"/>
+                        <a:t>ID (PK_m)</a:t>
+                      </a:r>
+                    </a:p>
+                  </a:txBody>
+                  <a:tcPr marL="0" marR="0" marT="0" marB="0" anchor="t" anchorCtr="0" horzOverflow="overflow"/>
+                </a:tc>
+                <a:tc>
+                  <a:txBody>
+                    <a:bodyPr/>
+                    <a:lstStyle/>
+                    <a:p>
+                      <a:pPr algn="ctr">
+                        <a:spcBef>
+                          <a:spcPts val="0"/>
+                        </a:spcBef>
+                        <a:defRPr sz="1800"/>
+                      </a:pPr>
+                      <a:r>
+                        <a:rPr b="1" sz="1100"/>
+                        <a:t>ID (PK_p)</a:t>
+                      </a:r>
+                    </a:p>
+                  </a:txBody>
+                  <a:tcPr marL="0" marR="0" marT="0" marB="0" anchor="t" anchorCtr="0" horzOverflow="overflow"/>
+                </a:tc>
+              </a:tr>
+              <a:tr h="172152">
+                <a:tc>
+                  <a:txBody>
+                    <a:bodyPr/>
+                    <a:lstStyle/>
+                    <a:p>
+                      <a:pPr algn="ctr">
+                        <a:spcBef>
+                          <a:spcPts val="0"/>
+                        </a:spcBef>
+                        <a:defRPr sz="1800"/>
+                      </a:pPr>
+                      <a:r>
+                        <a:rPr sz="1100"/>
+                        <a:t>001</a:t>
+                      </a:r>
+                    </a:p>
+                  </a:txBody>
+                  <a:tcPr marL="0" marR="0" marT="0" marB="0" anchor="t" anchorCtr="0" horzOverflow="overflow"/>
+                </a:tc>
+                <a:tc>
+                  <a:txBody>
+                    <a:bodyPr/>
+                    <a:lstStyle/>
+                    <a:p>
+                      <a:pPr algn="ctr">
+                        <a:spcBef>
+                          <a:spcPts val="0"/>
+                        </a:spcBef>
+                        <a:defRPr sz="1800"/>
+                      </a:pPr>
+                      <a:r>
+                        <a:rPr sz="1100"/>
+                        <a:t>101</a:t>
+                      </a:r>
+                    </a:p>
+                  </a:txBody>
+                  <a:tcPr marL="0" marR="0" marT="0" marB="0" anchor="t" anchorCtr="0" horzOverflow="overflow"/>
+                </a:tc>
+              </a:tr>
+              <a:tr h="172152">
+                <a:tc>
+                  <a:txBody>
+                    <a:bodyPr/>
+                    <a:lstStyle/>
+                    <a:p>
+                      <a:pPr algn="ctr">
+                        <a:spcBef>
+                          <a:spcPts val="0"/>
+                        </a:spcBef>
+                        <a:defRPr sz="1800"/>
+                      </a:pPr>
+                      <a:r>
+                        <a:rPr sz="1100"/>
+                        <a:t>002</a:t>
+                      </a:r>
+                    </a:p>
+                  </a:txBody>
+                  <a:tcPr marL="0" marR="0" marT="0" marB="0" anchor="t" anchorCtr="0" horzOverflow="overflow"/>
+                </a:tc>
+                <a:tc>
+                  <a:txBody>
+                    <a:bodyPr/>
+                    <a:lstStyle/>
+                    <a:p>
+                      <a:pPr algn="ctr">
+                        <a:spcBef>
+                          <a:spcPts val="0"/>
+                        </a:spcBef>
+                        <a:defRPr sz="1800"/>
+                      </a:pPr>
+                      <a:r>
+                        <a:rPr sz="1100"/>
+                        <a:t>102</a:t>
+                      </a:r>
+                    </a:p>
+                  </a:txBody>
+                  <a:tcPr marL="0" marR="0" marT="0" marB="0" anchor="t" anchorCtr="0" horzOverflow="overflow"/>
+                </a:tc>
+              </a:tr>
+              <a:tr h="172152">
+                <a:tc>
+                  <a:txBody>
+                    <a:bodyPr/>
+                    <a:lstStyle/>
+                    <a:p>
+                      <a:pPr algn="ctr">
+                        <a:spcBef>
+                          <a:spcPts val="0"/>
+                        </a:spcBef>
+                        <a:defRPr sz="1800"/>
+                      </a:pPr>
+                      <a:r>
+                        <a:rPr sz="1100"/>
+                        <a:t>003</a:t>
+                      </a:r>
+                    </a:p>
+                  </a:txBody>
+                  <a:tcPr marL="0" marR="0" marT="0" marB="0" anchor="t" anchorCtr="0" horzOverflow="overflow"/>
+                </a:tc>
+                <a:tc>
+                  <a:txBody>
+                    <a:bodyPr/>
+                    <a:lstStyle/>
+                    <a:p>
+                      <a:pPr algn="ctr">
+                        <a:spcBef>
+                          <a:spcPts val="0"/>
+                        </a:spcBef>
+                        <a:defRPr sz="1800"/>
+                      </a:pPr>
+                      <a:r>
+                        <a:rPr sz="1100"/>
+                        <a:t>103</a:t>
+                      </a:r>
+                    </a:p>
+                  </a:txBody>
+                  <a:tcPr marL="0" marR="0" marT="0" marB="0" anchor="t" anchorCtr="0" horzOverflow="overflow"/>
+                </a:tc>
+              </a:tr>
+              <a:tr h="172152">
+                <a:tc>
+                  <a:txBody>
+                    <a:bodyPr/>
+                    <a:lstStyle/>
+                    <a:p>
+                      <a:pPr algn="ctr">
+                        <a:spcBef>
+                          <a:spcPts val="0"/>
+                        </a:spcBef>
+                        <a:defRPr sz="1800"/>
+                      </a:pPr>
+                      <a:r>
+                        <a:rPr sz="1100"/>
+                        <a:t>004</a:t>
+                      </a:r>
+                    </a:p>
+                  </a:txBody>
+                  <a:tcPr marL="0" marR="0" marT="0" marB="0" anchor="t" anchorCtr="0" horzOverflow="overflow"/>
+                </a:tc>
+                <a:tc>
+                  <a:txBody>
+                    <a:bodyPr/>
+                    <a:lstStyle/>
+                    <a:p>
+                      <a:pPr algn="ctr">
+                        <a:spcBef>
+                          <a:spcPts val="0"/>
+                        </a:spcBef>
+                        <a:defRPr sz="1800"/>
+                      </a:pPr>
+                      <a:r>
+                        <a:rPr sz="1100"/>
+                        <a:t>104</a:t>
+                      </a:r>
+                    </a:p>
+                  </a:txBody>
+                  <a:tcPr marL="0" marR="0" marT="0" marB="0" anchor="t" anchorCtr="0" horzOverflow="overflow"/>
+                </a:tc>
+              </a:tr>
+              <a:tr h="172152">
+                <a:tc>
+                  <a:txBody>
+                    <a:bodyPr/>
+                    <a:lstStyle/>
+                    <a:p>
+                      <a:pPr algn="ctr">
+                        <a:spcBef>
+                          <a:spcPts val="0"/>
+                        </a:spcBef>
+                        <a:defRPr sz="1800"/>
+                      </a:pPr>
+                      <a:r>
+                        <a:rPr sz="1100"/>
+                        <a:t>005</a:t>
+                      </a:r>
+                    </a:p>
+                  </a:txBody>
+                  <a:tcPr marL="0" marR="0" marT="0" marB="0" anchor="t" anchorCtr="0" horzOverflow="overflow"/>
+                </a:tc>
+                <a:tc>
+                  <a:txBody>
+                    <a:bodyPr/>
+                    <a:lstStyle/>
+                    <a:p>
+                      <a:pPr algn="ctr">
+                        <a:spcBef>
+                          <a:spcPts val="0"/>
+                        </a:spcBef>
+                        <a:defRPr sz="1800"/>
+                      </a:pPr>
+                      <a:r>
+                        <a:rPr sz="1100"/>
+                        <a:t>106</a:t>
+                      </a:r>
+                    </a:p>
+                  </a:txBody>
+                  <a:tcPr marL="0" marR="0" marT="0" marB="0" anchor="t" anchorCtr="0" horzOverflow="overflow"/>
+                </a:tc>
+              </a:tr>
+              <a:tr h="172152">
+                <a:tc>
+                  <a:txBody>
+                    <a:bodyPr/>
+                    <a:lstStyle/>
+                    <a:p>
+                      <a:pPr algn="ctr">
+                        <a:spcBef>
+                          <a:spcPts val="0"/>
+                        </a:spcBef>
+                        <a:defRPr sz="1800"/>
+                      </a:pPr>
+                      <a:r>
+                        <a:rPr sz="1100"/>
+                        <a:t>006</a:t>
+                      </a:r>
+                    </a:p>
+                  </a:txBody>
+                  <a:tcPr marL="0" marR="0" marT="0" marB="0" anchor="t" anchorCtr="0" horzOverflow="overflow"/>
+                </a:tc>
+                <a:tc>
+                  <a:txBody>
+                    <a:bodyPr/>
+                    <a:lstStyle/>
+                    <a:p>
+                      <a:pPr algn="ctr">
+                        <a:spcBef>
+                          <a:spcPts val="0"/>
+                        </a:spcBef>
+                        <a:defRPr sz="1800"/>
+                      </a:pPr>
+                      <a:r>
+                        <a:rPr sz="1100"/>
+                        <a:t>106</a:t>
+                      </a:r>
+                    </a:p>
+                  </a:txBody>
+                  <a:tcPr marL="0" marR="0" marT="0" marB="0" anchor="t" anchorCtr="0" horzOverflow="overflow"/>
+                </a:tc>
+              </a:tr>
+              <a:tr h="172152">
+                <a:tc>
+                  <a:txBody>
+                    <a:bodyPr/>
+                    <a:lstStyle/>
+                    <a:p>
+                      <a:pPr algn="ctr">
+                        <a:spcBef>
+                          <a:spcPts val="0"/>
+                        </a:spcBef>
+                        <a:defRPr sz="1800"/>
+                      </a:pPr>
+                      <a:r>
+                        <a:rPr sz="1100"/>
+                        <a:t>007</a:t>
+                      </a:r>
+                    </a:p>
+                  </a:txBody>
+                  <a:tcPr marL="0" marR="0" marT="0" marB="0" anchor="t" anchorCtr="0" horzOverflow="overflow"/>
+                </a:tc>
+                <a:tc>
+                  <a:txBody>
+                    <a:bodyPr/>
+                    <a:lstStyle/>
+                    <a:p>
+                      <a:pPr algn="ctr">
+                        <a:spcBef>
+                          <a:spcPts val="0"/>
+                        </a:spcBef>
+                        <a:defRPr sz="1800"/>
+                      </a:pPr>
+                      <a:r>
+                        <a:rPr sz="1100"/>
+                        <a:t>106</a:t>
+                      </a:r>
+                    </a:p>
+                  </a:txBody>
+                  <a:tcPr marL="0" marR="0" marT="0" marB="0" anchor="t" anchorCtr="0" horzOverflow="overflow"/>
+                </a:tc>
+              </a:tr>
+            </a:tbl>
+          </a:graphicData>
+        </a:graphic>
+      </p:graphicFrame>
+      <p:sp>
+        <p:nvSpPr>
+          <p:cNvPr id="634" name="Wer betreut die Maschinen?"/>
+          <p:cNvSpPr txBox="1"/>
+          <p:nvPr/>
+        </p:nvSpPr>
+        <p:spPr>
+          <a:xfrm>
+            <a:off x="2376807" y="1818997"/>
+            <a:ext cx="1214148" cy="619855"/>
+          </a:xfrm>
+          <a:prstGeom prst="rect">
+            <a:avLst/>
+          </a:prstGeom>
+          <a:ln w="12700">
+            <a:miter lim="400000"/>
+          </a:ln>
+          <a:extLst>
+            <a:ext uri="{C572A759-6A51-4108-AA02-DFA0A04FC94B}">
+              <ma14:wrappingTextBoxFlag xmlns:ma14="http://schemas.microsoft.com/office/mac/drawingml/2011/main" val="1"/>
+            </a:ext>
+          </a:extLst>
+        </p:spPr>
+        <p:txBody>
+          <a:bodyPr lIns="45719" rIns="45719">
+            <a:spAutoFit/>
+          </a:bodyPr>
+          <a:lstStyle>
+            <a:lvl1pPr>
+              <a:defRPr sz="1200"/>
+            </a:lvl1pPr>
+          </a:lstStyle>
+          <a:p>
+            <a:pPr/>
+            <a:r>
+              <a:t>Wer betreut die Maschinen?</a:t>
+            </a:r>
+          </a:p>
+        </p:txBody>
+      </p:sp>
+      <p:sp>
+        <p:nvSpPr>
+          <p:cNvPr id="635" name="Person ID 102 betreut Maschine 002 und Person ID 103 betreut Maschine 003."/>
+          <p:cNvSpPr txBox="1"/>
+          <p:nvPr/>
+        </p:nvSpPr>
+        <p:spPr>
+          <a:xfrm>
+            <a:off x="2376807" y="4317999"/>
+            <a:ext cx="1214148" cy="1331056"/>
+          </a:xfrm>
+          <a:prstGeom prst="rect">
+            <a:avLst/>
+          </a:prstGeom>
+          <a:ln w="12700">
+            <a:miter lim="400000"/>
+          </a:ln>
+          <a:extLst>
+            <a:ext uri="{C572A759-6A51-4108-AA02-DFA0A04FC94B}">
+              <ma14:wrappingTextBoxFlag xmlns:ma14="http://schemas.microsoft.com/office/mac/drawingml/2011/main" val="1"/>
+            </a:ext>
+          </a:extLst>
+        </p:spPr>
+        <p:txBody>
+          <a:bodyPr lIns="45719" rIns="45719">
+            <a:spAutoFit/>
+          </a:bodyPr>
+          <a:lstStyle>
+            <a:lvl1pPr>
+              <a:defRPr sz="1200"/>
+            </a:lvl1pPr>
+          </a:lstStyle>
+          <a:p>
+            <a:pPr/>
+            <a:r>
+              <a:t>Person ID 102 betreut Maschine 002 und Person ID 103 betreut Maschine 003.</a:t>
+            </a:r>
+          </a:p>
+        </p:txBody>
+      </p:sp>
+      <p:graphicFrame>
+        <p:nvGraphicFramePr>
+          <p:cNvPr id="636" name="Tabelle"/>
+          <p:cNvGraphicFramePr/>
+          <p:nvPr/>
+        </p:nvGraphicFramePr>
+        <p:xfrm>
+          <a:off x="4447051" y="2616651"/>
+          <a:ext cx="1422775" cy="2608864"/>
+        </p:xfrm>
+        <a:graphic xmlns:a="http://schemas.openxmlformats.org/drawingml/2006/main">
+          <a:graphicData uri="http://schemas.openxmlformats.org/drawingml/2006/table">
+            <a:tbl>
+              <a:tblPr firstCol="0" firstRow="0" lastCol="0" lastRow="0" bandCol="0" bandRow="1" rtl="0">
+                <a:tableStyleId>{4C3C2611-4C71-4FC5-86AE-919BDF0F9419}</a:tableStyleId>
+              </a:tblPr>
+              <a:tblGrid>
+                <a:gridCol w="722283"/>
+                <a:gridCol w="687790"/>
+              </a:tblGrid>
+              <a:tr h="162260">
+                <a:tc gridSpan="2">
+                  <a:txBody>
+                    <a:bodyPr/>
+                    <a:lstStyle/>
+                    <a:p>
+                      <a:pPr algn="ctr">
+                        <a:spcBef>
+                          <a:spcPts val="0"/>
+                        </a:spcBef>
+                        <a:defRPr sz="1800"/>
+                      </a:pPr>
+                      <a:r>
+                        <a:rPr i="1" sz="1100"/>
+                        <a:t>repair</a:t>
+                      </a:r>
+                    </a:p>
+                  </a:txBody>
+                  <a:tcPr marL="0" marR="0" marT="0" marB="0" anchor="t" anchorCtr="0" horzOverflow="overflow"/>
+                </a:tc>
+                <a:tc hMerge="1">
+                  <a:tcPr/>
+                </a:tc>
+              </a:tr>
+              <a:tr h="162260">
+                <a:tc>
+                  <a:txBody>
+                    <a:bodyPr/>
+                    <a:lstStyle/>
+                    <a:p>
+                      <a:pPr algn="ctr">
+                        <a:spcBef>
+                          <a:spcPts val="0"/>
+                        </a:spcBef>
+                        <a:defRPr sz="1800"/>
+                      </a:pPr>
+                      <a:r>
+                        <a:rPr b="1" sz="1100"/>
+                        <a:t>ID (PK_p)</a:t>
+                      </a:r>
+                    </a:p>
+                  </a:txBody>
+                  <a:tcPr marL="0" marR="0" marT="0" marB="0" anchor="t" anchorCtr="0" horzOverflow="overflow"/>
+                </a:tc>
+                <a:tc>
+                  <a:txBody>
+                    <a:bodyPr/>
+                    <a:lstStyle/>
+                    <a:p>
+                      <a:pPr algn="ctr">
+                        <a:spcBef>
+                          <a:spcPts val="0"/>
+                        </a:spcBef>
+                        <a:defRPr sz="1800"/>
+                      </a:pPr>
+                      <a:r>
+                        <a:rPr b="1" sz="1100"/>
+                        <a:t>ID (PK)</a:t>
+                      </a:r>
+                    </a:p>
+                  </a:txBody>
+                  <a:tcPr marL="0" marR="0" marT="0" marB="0" anchor="t" anchorCtr="0" horzOverflow="overflow"/>
+                </a:tc>
+              </a:tr>
+              <a:tr h="162260">
+                <a:tc>
+                  <a:txBody>
+                    <a:bodyPr/>
+                    <a:lstStyle/>
+                    <a:p>
+                      <a:pPr algn="ctr">
+                        <a:spcBef>
+                          <a:spcPts val="0"/>
+                        </a:spcBef>
+                        <a:defRPr sz="1800"/>
+                      </a:pPr>
+                      <a:r>
+                        <a:rPr sz="1100"/>
+                        <a:t>101</a:t>
+                      </a:r>
+                    </a:p>
+                  </a:txBody>
+                  <a:tcPr marL="0" marR="0" marT="0" marB="0" anchor="t" anchorCtr="0" horzOverflow="overflow"/>
+                </a:tc>
+                <a:tc>
+                  <a:txBody>
+                    <a:bodyPr/>
+                    <a:lstStyle/>
+                    <a:p>
+                      <a:pPr algn="ctr">
+                        <a:spcBef>
+                          <a:spcPts val="0"/>
+                        </a:spcBef>
+                        <a:defRPr sz="1800"/>
+                      </a:pPr>
+                      <a:r>
+                        <a:rPr sz="1100"/>
+                        <a:t>201</a:t>
+                      </a:r>
+                    </a:p>
+                  </a:txBody>
+                  <a:tcPr marL="0" marR="0" marT="0" marB="0" anchor="t" anchorCtr="0" horzOverflow="overflow"/>
+                </a:tc>
+              </a:tr>
+              <a:tr h="162260">
+                <a:tc>
+                  <a:txBody>
+                    <a:bodyPr/>
+                    <a:lstStyle/>
+                    <a:p>
+                      <a:pPr algn="ctr">
+                        <a:spcBef>
+                          <a:spcPts val="0"/>
+                        </a:spcBef>
+                        <a:defRPr sz="1800"/>
+                      </a:pPr>
+                      <a:r>
+                        <a:rPr sz="1100"/>
+                        <a:t>101</a:t>
+                      </a:r>
+                    </a:p>
+                  </a:txBody>
+                  <a:tcPr marL="0" marR="0" marT="0" marB="0" anchor="t" anchorCtr="0" horzOverflow="overflow"/>
+                </a:tc>
+                <a:tc>
+                  <a:txBody>
+                    <a:bodyPr/>
+                    <a:lstStyle/>
+                    <a:p>
+                      <a:pPr algn="ctr">
+                        <a:spcBef>
+                          <a:spcPts val="0"/>
+                        </a:spcBef>
+                        <a:defRPr sz="1800"/>
+                      </a:pPr>
+                      <a:r>
+                        <a:rPr sz="1100"/>
+                        <a:t>202</a:t>
+                      </a:r>
+                    </a:p>
+                  </a:txBody>
+                  <a:tcPr marL="0" marR="0" marT="0" marB="0" anchor="t" anchorCtr="0" horzOverflow="overflow"/>
+                </a:tc>
+              </a:tr>
+              <a:tr h="162260">
+                <a:tc>
+                  <a:txBody>
+                    <a:bodyPr/>
+                    <a:lstStyle/>
+                    <a:p>
+                      <a:pPr algn="ctr">
+                        <a:spcBef>
+                          <a:spcPts val="0"/>
+                        </a:spcBef>
+                        <a:defRPr sz="1800"/>
+                      </a:pPr>
+                      <a:r>
+                        <a:rPr sz="1100"/>
+                        <a:t>102</a:t>
+                      </a:r>
+                    </a:p>
+                  </a:txBody>
+                  <a:tcPr marL="0" marR="0" marT="0" marB="0" anchor="t" anchorCtr="0" horzOverflow="overflow"/>
+                </a:tc>
+                <a:tc>
+                  <a:txBody>
+                    <a:bodyPr/>
+                    <a:lstStyle/>
+                    <a:p>
+                      <a:pPr algn="ctr">
+                        <a:spcBef>
+                          <a:spcPts val="0"/>
+                        </a:spcBef>
+                        <a:defRPr sz="1800"/>
+                      </a:pPr>
+                      <a:r>
+                        <a:rPr sz="1100"/>
+                        <a:t>204</a:t>
+                      </a:r>
+                    </a:p>
+                  </a:txBody>
+                  <a:tcPr marL="0" marR="0" marT="0" marB="0" anchor="t" anchorCtr="0" horzOverflow="overflow"/>
+                </a:tc>
+              </a:tr>
+              <a:tr h="162260">
+                <a:tc>
+                  <a:txBody>
+                    <a:bodyPr/>
+                    <a:lstStyle/>
+                    <a:p>
+                      <a:pPr algn="ctr">
+                        <a:spcBef>
+                          <a:spcPts val="0"/>
+                        </a:spcBef>
+                        <a:defRPr sz="1800"/>
+                      </a:pPr>
+                      <a:r>
+                        <a:rPr sz="1100"/>
+                        <a:t>103</a:t>
+                      </a:r>
+                    </a:p>
+                  </a:txBody>
+                  <a:tcPr marL="0" marR="0" marT="0" marB="0" anchor="t" anchorCtr="0" horzOverflow="overflow"/>
+                </a:tc>
+                <a:tc>
+                  <a:txBody>
+                    <a:bodyPr/>
+                    <a:lstStyle/>
+                    <a:p>
+                      <a:pPr algn="ctr">
+                        <a:spcBef>
+                          <a:spcPts val="0"/>
+                        </a:spcBef>
+                        <a:defRPr sz="1800"/>
+                      </a:pPr>
+                      <a:r>
+                        <a:rPr sz="1100"/>
+                        <a:t>206</a:t>
+                      </a:r>
+                    </a:p>
+                  </a:txBody>
+                  <a:tcPr marL="0" marR="0" marT="0" marB="0" anchor="t" anchorCtr="0" horzOverflow="overflow"/>
+                </a:tc>
+              </a:tr>
+              <a:tr h="162260">
+                <a:tc>
+                  <a:txBody>
+                    <a:bodyPr/>
+                    <a:lstStyle/>
+                    <a:p>
+                      <a:pPr algn="ctr">
+                        <a:spcBef>
+                          <a:spcPts val="0"/>
+                        </a:spcBef>
+                        <a:defRPr sz="1800"/>
+                      </a:pPr>
+                      <a:r>
+                        <a:rPr sz="1100"/>
+                        <a:t>103</a:t>
+                      </a:r>
+                    </a:p>
+                  </a:txBody>
+                  <a:tcPr marL="0" marR="0" marT="0" marB="0" anchor="t" anchorCtr="0" horzOverflow="overflow"/>
+                </a:tc>
+                <a:tc>
+                  <a:txBody>
+                    <a:bodyPr/>
+                    <a:lstStyle/>
+                    <a:p>
+                      <a:pPr algn="ctr">
+                        <a:spcBef>
+                          <a:spcPts val="0"/>
+                        </a:spcBef>
+                        <a:defRPr sz="1800"/>
+                      </a:pPr>
+                      <a:r>
+                        <a:rPr sz="1100"/>
+                        <a:t>207</a:t>
+                      </a:r>
+                    </a:p>
+                  </a:txBody>
+                  <a:tcPr marL="0" marR="0" marT="0" marB="0" anchor="t" anchorCtr="0" horzOverflow="overflow"/>
+                </a:tc>
+              </a:tr>
+              <a:tr h="162260">
+                <a:tc>
+                  <a:txBody>
+                    <a:bodyPr/>
+                    <a:lstStyle/>
+                    <a:p>
+                      <a:pPr algn="ctr">
+                        <a:spcBef>
+                          <a:spcPts val="0"/>
+                        </a:spcBef>
+                        <a:defRPr sz="1800"/>
+                      </a:pPr>
+                      <a:r>
+                        <a:rPr sz="1100"/>
+                        <a:t>104</a:t>
+                      </a:r>
+                    </a:p>
+                  </a:txBody>
+                  <a:tcPr marL="0" marR="0" marT="0" marB="0" anchor="t" anchorCtr="0" horzOverflow="overflow"/>
+                </a:tc>
+                <a:tc>
+                  <a:txBody>
+                    <a:bodyPr/>
+                    <a:lstStyle/>
+                    <a:p>
+                      <a:pPr algn="ctr">
+                        <a:spcBef>
+                          <a:spcPts val="0"/>
+                        </a:spcBef>
+                        <a:defRPr sz="1800"/>
+                      </a:pPr>
+                      <a:r>
+                        <a:rPr sz="1100"/>
+                        <a:t>209</a:t>
+                      </a:r>
+                    </a:p>
+                  </a:txBody>
+                  <a:tcPr marL="0" marR="0" marT="0" marB="0" anchor="t" anchorCtr="0" horzOverflow="overflow"/>
+                </a:tc>
+              </a:tr>
+              <a:tr h="162260">
+                <a:tc>
+                  <a:txBody>
+                    <a:bodyPr/>
+                    <a:lstStyle/>
+                    <a:p>
+                      <a:pPr algn="ctr">
+                        <a:spcBef>
+                          <a:spcPts val="0"/>
+                        </a:spcBef>
+                        <a:defRPr sz="1800"/>
+                      </a:pPr>
+                      <a:r>
+                        <a:rPr sz="1100"/>
+                        <a:t>105</a:t>
+                      </a:r>
+                    </a:p>
+                  </a:txBody>
+                  <a:tcPr marL="0" marR="0" marT="0" marB="0" anchor="t" anchorCtr="0" horzOverflow="overflow"/>
+                </a:tc>
+                <a:tc>
+                  <a:txBody>
+                    <a:bodyPr/>
+                    <a:lstStyle/>
+                    <a:p>
+                      <a:pPr algn="ctr">
+                        <a:spcBef>
+                          <a:spcPts val="0"/>
+                        </a:spcBef>
+                        <a:defRPr sz="1800"/>
+                      </a:pPr>
+                      <a:r>
+                        <a:rPr sz="1100"/>
+                        <a:t>203</a:t>
+                      </a:r>
+                    </a:p>
+                  </a:txBody>
+                  <a:tcPr marL="0" marR="0" marT="0" marB="0" anchor="t" anchorCtr="0" horzOverflow="overflow"/>
+                </a:tc>
+              </a:tr>
+              <a:tr h="162260">
+                <a:tc>
+                  <a:txBody>
+                    <a:bodyPr/>
+                    <a:lstStyle/>
+                    <a:p>
+                      <a:pPr algn="ctr">
+                        <a:spcBef>
+                          <a:spcPts val="0"/>
+                        </a:spcBef>
+                        <a:defRPr sz="1800"/>
+                      </a:pPr>
+                      <a:r>
+                        <a:rPr sz="1100"/>
+                        <a:t>105</a:t>
+                      </a:r>
+                    </a:p>
+                  </a:txBody>
+                  <a:tcPr marL="0" marR="0" marT="0" marB="0" anchor="t" anchorCtr="0" horzOverflow="overflow"/>
+                </a:tc>
+                <a:tc>
+                  <a:txBody>
+                    <a:bodyPr/>
+                    <a:lstStyle/>
+                    <a:p>
+                      <a:pPr algn="ctr">
+                        <a:spcBef>
+                          <a:spcPts val="0"/>
+                        </a:spcBef>
+                        <a:defRPr sz="1800"/>
+                      </a:pPr>
+                      <a:r>
+                        <a:rPr sz="1100"/>
+                        <a:t>205</a:t>
+                      </a:r>
+                    </a:p>
+                  </a:txBody>
+                  <a:tcPr marL="0" marR="0" marT="0" marB="0" anchor="t" anchorCtr="0" horzOverflow="overflow"/>
+                </a:tc>
+              </a:tr>
+              <a:tr h="162260">
+                <a:tc>
+                  <a:txBody>
+                    <a:bodyPr/>
+                    <a:lstStyle/>
+                    <a:p>
+                      <a:pPr algn="ctr">
+                        <a:spcBef>
+                          <a:spcPts val="0"/>
+                        </a:spcBef>
+                        <a:defRPr sz="1800"/>
+                      </a:pPr>
+                      <a:r>
+                        <a:rPr sz="1100"/>
+                        <a:t>105</a:t>
+                      </a:r>
+                    </a:p>
+                  </a:txBody>
+                  <a:tcPr marL="0" marR="0" marT="0" marB="0" anchor="t" anchorCtr="0" horzOverflow="overflow"/>
+                </a:tc>
+                <a:tc>
+                  <a:txBody>
+                    <a:bodyPr/>
+                    <a:lstStyle/>
+                    <a:p>
+                      <a:pPr algn="ctr">
+                        <a:spcBef>
+                          <a:spcPts val="0"/>
+                        </a:spcBef>
+                        <a:defRPr sz="1800"/>
+                      </a:pPr>
+                      <a:r>
+                        <a:rPr sz="1100"/>
+                        <a:t>208</a:t>
+                      </a:r>
+                    </a:p>
+                  </a:txBody>
+                  <a:tcPr marL="0" marR="0" marT="0" marB="0" anchor="t" anchorCtr="0" horzOverflow="overflow"/>
+                </a:tc>
+              </a:tr>
+              <a:tr h="162260">
+                <a:tc>
+                  <a:txBody>
+                    <a:bodyPr/>
+                    <a:lstStyle/>
+                    <a:p>
+                      <a:pPr algn="ctr">
+                        <a:spcBef>
+                          <a:spcPts val="0"/>
+                        </a:spcBef>
+                        <a:defRPr sz="1800"/>
+                      </a:pPr>
+                      <a:r>
+                        <a:rPr sz="1100"/>
+                        <a:t>105</a:t>
+                      </a:r>
+                    </a:p>
+                  </a:txBody>
+                  <a:tcPr marL="0" marR="0" marT="0" marB="0" anchor="t" anchorCtr="0" horzOverflow="overflow"/>
+                </a:tc>
+                <a:tc>
+                  <a:txBody>
+                    <a:bodyPr/>
+                    <a:lstStyle/>
+                    <a:p>
+                      <a:pPr algn="ctr">
+                        <a:spcBef>
+                          <a:spcPts val="0"/>
+                        </a:spcBef>
+                        <a:defRPr sz="1800"/>
+                      </a:pPr>
+                      <a:r>
+                        <a:rPr sz="1100"/>
+                        <a:t>210</a:t>
+                      </a:r>
+                    </a:p>
+                  </a:txBody>
+                  <a:tcPr marL="0" marR="0" marT="0" marB="0" anchor="t" anchorCtr="0" horzOverflow="overflow"/>
+                </a:tc>
+              </a:tr>
+              <a:tr h="162260">
+                <a:tc>
+                  <a:txBody>
+                    <a:bodyPr/>
+                    <a:lstStyle/>
+                    <a:p>
+                      <a:pPr algn="ctr">
+                        <a:spcBef>
+                          <a:spcPts val="0"/>
+                        </a:spcBef>
+                        <a:defRPr sz="1800"/>
+                      </a:pPr>
+                      <a:r>
+                        <a:rPr sz="1100"/>
+                        <a:t>105</a:t>
+                      </a:r>
+                    </a:p>
+                  </a:txBody>
+                  <a:tcPr marL="0" marR="0" marT="0" marB="0" anchor="t" anchorCtr="0" horzOverflow="overflow"/>
+                </a:tc>
+                <a:tc>
+                  <a:txBody>
+                    <a:bodyPr/>
+                    <a:lstStyle/>
+                    <a:p>
+                      <a:pPr algn="ctr">
+                        <a:spcBef>
+                          <a:spcPts val="0"/>
+                        </a:spcBef>
+                        <a:defRPr sz="1800"/>
+                      </a:pPr>
+                      <a:r>
+                        <a:rPr sz="1100"/>
+                        <a:t>301</a:t>
+                      </a:r>
+                    </a:p>
+                  </a:txBody>
+                  <a:tcPr marL="0" marR="0" marT="0" marB="0" anchor="t" anchorCtr="0" horzOverflow="overflow"/>
+                </a:tc>
+              </a:tr>
+              <a:tr h="162260">
+                <a:tc>
+                  <a:txBody>
+                    <a:bodyPr/>
+                    <a:lstStyle/>
+                    <a:p>
+                      <a:pPr algn="ctr">
+                        <a:spcBef>
+                          <a:spcPts val="0"/>
+                        </a:spcBef>
+                        <a:defRPr sz="1800"/>
+                      </a:pPr>
+                      <a:r>
+                        <a:rPr sz="1100"/>
+                        <a:t>105</a:t>
+                      </a:r>
+                    </a:p>
+                  </a:txBody>
+                  <a:tcPr marL="0" marR="0" marT="0" marB="0" anchor="t" anchorCtr="0" horzOverflow="overflow"/>
+                </a:tc>
+                <a:tc>
+                  <a:txBody>
+                    <a:bodyPr/>
+                    <a:lstStyle/>
+                    <a:p>
+                      <a:pPr algn="ctr">
+                        <a:spcBef>
+                          <a:spcPts val="0"/>
+                        </a:spcBef>
+                        <a:defRPr sz="1800"/>
+                      </a:pPr>
+                      <a:r>
+                        <a:rPr sz="1100"/>
+                        <a:t>302</a:t>
+                      </a:r>
+                    </a:p>
+                  </a:txBody>
+                  <a:tcPr marL="0" marR="0" marT="0" marB="0" anchor="t" anchorCtr="0" horzOverflow="overflow"/>
+                </a:tc>
+              </a:tr>
+              <a:tr h="162260">
+                <a:tc>
+                  <a:txBody>
+                    <a:bodyPr/>
+                    <a:lstStyle/>
+                    <a:p>
+                      <a:pPr algn="ctr">
+                        <a:spcBef>
+                          <a:spcPts val="0"/>
+                        </a:spcBef>
+                        <a:defRPr sz="1800"/>
+                      </a:pPr>
+                      <a:r>
+                        <a:rPr sz="1100"/>
+                        <a:t>105</a:t>
+                      </a:r>
+                    </a:p>
+                  </a:txBody>
+                  <a:tcPr marL="0" marR="0" marT="0" marB="0" anchor="t" anchorCtr="0" horzOverflow="overflow"/>
+                </a:tc>
+                <a:tc>
+                  <a:txBody>
+                    <a:bodyPr/>
+                    <a:lstStyle/>
+                    <a:p>
+                      <a:pPr algn="ctr">
+                        <a:spcBef>
+                          <a:spcPts val="0"/>
+                        </a:spcBef>
+                        <a:defRPr sz="1800"/>
+                      </a:pPr>
+                      <a:r>
+                        <a:rPr sz="1100"/>
+                        <a:t>303</a:t>
+                      </a:r>
+                    </a:p>
+                  </a:txBody>
+                  <a:tcPr marL="0" marR="0" marT="0" marB="0" anchor="t" anchorCtr="0" horzOverflow="overflow"/>
+                </a:tc>
+              </a:tr>
+              <a:tr h="162260">
+                <a:tc>
+                  <a:txBody>
+                    <a:bodyPr/>
+                    <a:lstStyle/>
+                    <a:p>
+                      <a:pPr algn="ctr">
+                        <a:spcBef>
+                          <a:spcPts val="0"/>
+                        </a:spcBef>
+                        <a:defRPr sz="1800"/>
+                      </a:pPr>
+                      <a:r>
+                        <a:rPr sz="1100"/>
+                        <a:t>105</a:t>
+                      </a:r>
+                    </a:p>
+                  </a:txBody>
+                  <a:tcPr marL="0" marR="0" marT="0" marB="0" anchor="t" anchorCtr="0" horzOverflow="overflow"/>
+                </a:tc>
+                <a:tc>
+                  <a:txBody>
+                    <a:bodyPr/>
+                    <a:lstStyle/>
+                    <a:p>
+                      <a:pPr algn="ctr">
+                        <a:spcBef>
+                          <a:spcPts val="0"/>
+                        </a:spcBef>
+                        <a:defRPr sz="1800"/>
+                      </a:pPr>
+                      <a:r>
+                        <a:rPr sz="1100"/>
+                        <a:t>304</a:t>
+                      </a:r>
+                    </a:p>
+                  </a:txBody>
+                  <a:tcPr marL="0" marR="0" marT="0" marB="0" anchor="t" anchorCtr="0" horzOverflow="overflow"/>
+                </a:tc>
+              </a:tr>
+            </a:tbl>
+          </a:graphicData>
+        </a:graphic>
+      </p:graphicFrame>
+      <p:sp>
+        <p:nvSpPr>
+          <p:cNvPr id="637" name="Was können diese Personen reparieren?"/>
+          <p:cNvSpPr txBox="1"/>
+          <p:nvPr/>
+        </p:nvSpPr>
+        <p:spPr>
+          <a:xfrm>
+            <a:off x="4447051" y="1818997"/>
+            <a:ext cx="1214149" cy="797655"/>
+          </a:xfrm>
+          <a:prstGeom prst="rect">
+            <a:avLst/>
+          </a:prstGeom>
+          <a:ln w="12700">
+            <a:miter lim="400000"/>
+          </a:ln>
+          <a:extLst>
+            <a:ext uri="{C572A759-6A51-4108-AA02-DFA0A04FC94B}">
+              <ma14:wrappingTextBoxFlag xmlns:ma14="http://schemas.microsoft.com/office/mac/drawingml/2011/main" val="1"/>
+            </a:ext>
+          </a:extLst>
+        </p:spPr>
+        <p:txBody>
+          <a:bodyPr lIns="45719" rIns="45719">
+            <a:spAutoFit/>
+          </a:bodyPr>
+          <a:lstStyle>
+            <a:lvl1pPr>
+              <a:defRPr sz="1200"/>
+            </a:lvl1pPr>
+          </a:lstStyle>
+          <a:p>
+            <a:pPr/>
+            <a:r>
+              <a:t>Was können diese Personen reparieren?</a:t>
+            </a:r>
+          </a:p>
+        </p:txBody>
+      </p:sp>
+      <p:sp>
+        <p:nvSpPr>
+          <p:cNvPr id="638" name="Person 102 kann ID 204 reparieren, Person 103 kann IDs 206, 207 reparieren."/>
+          <p:cNvSpPr txBox="1"/>
+          <p:nvPr/>
+        </p:nvSpPr>
+        <p:spPr>
+          <a:xfrm>
+            <a:off x="4447051" y="5295170"/>
+            <a:ext cx="1416425" cy="1153256"/>
+          </a:xfrm>
+          <a:prstGeom prst="rect">
+            <a:avLst/>
+          </a:prstGeom>
+          <a:ln w="12700">
+            <a:miter lim="400000"/>
+          </a:ln>
+          <a:extLst>
+            <a:ext uri="{C572A759-6A51-4108-AA02-DFA0A04FC94B}">
+              <ma14:wrappingTextBoxFlag xmlns:ma14="http://schemas.microsoft.com/office/mac/drawingml/2011/main" val="1"/>
+            </a:ext>
+          </a:extLst>
+        </p:spPr>
+        <p:txBody>
+          <a:bodyPr lIns="45719" rIns="45719">
+            <a:spAutoFit/>
+          </a:bodyPr>
+          <a:lstStyle>
+            <a:lvl1pPr>
+              <a:defRPr sz="1200"/>
+            </a:lvl1pPr>
+          </a:lstStyle>
+          <a:p>
+            <a:pPr/>
+            <a:r>
+              <a:t>Person 102 kann ID 204 reparieren, Person 103 kann IDs 206, 207 reparieren.</a:t>
+            </a:r>
+          </a:p>
+        </p:txBody>
+      </p:sp>
+      <p:graphicFrame>
+        <p:nvGraphicFramePr>
+          <p:cNvPr id="639" name="Tabelle"/>
+          <p:cNvGraphicFramePr/>
+          <p:nvPr/>
+        </p:nvGraphicFramePr>
+        <p:xfrm>
+          <a:off x="6451314" y="2612016"/>
+          <a:ext cx="1504285" cy="1964458"/>
+        </p:xfrm>
+        <a:graphic xmlns:a="http://schemas.openxmlformats.org/drawingml/2006/main">
+          <a:graphicData uri="http://schemas.openxmlformats.org/drawingml/2006/table">
+            <a:tbl>
+              <a:tblPr firstCol="0" firstRow="0" lastCol="0" lastRow="0" bandCol="0" bandRow="1" rtl="0">
+                <a:tableStyleId>{4C3C2611-4C71-4FC5-86AE-919BDF0F9419}</a:tableStyleId>
+              </a:tblPr>
+              <a:tblGrid>
+                <a:gridCol w="956945"/>
+                <a:gridCol w="534638"/>
+              </a:tblGrid>
+              <a:tr h="162646">
+                <a:tc gridSpan="2">
+                  <a:txBody>
+                    <a:bodyPr/>
+                    <a:lstStyle/>
+                    <a:p>
+                      <a:pPr algn="ctr">
+                        <a:spcBef>
+                          <a:spcPts val="0"/>
+                        </a:spcBef>
+                        <a:defRPr sz="1800"/>
+                      </a:pPr>
+                      <a:r>
+                        <a:rPr i="1" sz="1100"/>
+                        <a:t>component</a:t>
+                      </a:r>
+                    </a:p>
+                  </a:txBody>
+                  <a:tcPr marL="0" marR="0" marT="0" marB="0" anchor="t" anchorCtr="0" horzOverflow="overflow"/>
+                </a:tc>
+                <a:tc hMerge="1">
+                  <a:tcPr/>
+                </a:tc>
+              </a:tr>
+              <a:tr h="162646">
+                <a:tc>
+                  <a:txBody>
+                    <a:bodyPr/>
+                    <a:lstStyle/>
+                    <a:p>
+                      <a:pPr algn="ctr">
+                        <a:spcBef>
+                          <a:spcPts val="0"/>
+                        </a:spcBef>
+                        <a:defRPr sz="1800"/>
+                      </a:pPr>
+                      <a:r>
+                        <a:rPr b="1" sz="1100"/>
+                        <a:t>name</a:t>
+                      </a:r>
+                    </a:p>
+                  </a:txBody>
+                  <a:tcPr marL="0" marR="0" marT="0" marB="0" anchor="t" anchorCtr="0" horzOverflow="overflow"/>
+                </a:tc>
+                <a:tc>
+                  <a:txBody>
+                    <a:bodyPr/>
+                    <a:lstStyle/>
+                    <a:p>
+                      <a:pPr algn="ctr">
+                        <a:spcBef>
+                          <a:spcPts val="0"/>
+                        </a:spcBef>
+                        <a:defRPr sz="1800"/>
+                      </a:pPr>
+                      <a:r>
+                        <a:rPr b="1" sz="1100"/>
+                        <a:t>ID (PK)</a:t>
+                      </a:r>
+                    </a:p>
+                  </a:txBody>
+                  <a:tcPr marL="0" marR="0" marT="0" marB="0" anchor="t" anchorCtr="0" horzOverflow="overflow"/>
+                </a:tc>
+              </a:tr>
+              <a:tr h="162646">
+                <a:tc>
+                  <a:txBody>
+                    <a:bodyPr/>
+                    <a:lstStyle/>
+                    <a:p>
+                      <a:pPr algn="ctr">
+                        <a:spcBef>
+                          <a:spcPts val="0"/>
+                        </a:spcBef>
+                        <a:defRPr sz="1800"/>
+                      </a:pPr>
+                      <a:r>
+                        <a:rPr sz="1100"/>
+                        <a:t>blade1</a:t>
+                      </a:r>
+                    </a:p>
+                  </a:txBody>
+                  <a:tcPr marL="0" marR="0" marT="0" marB="0" anchor="t" anchorCtr="0" horzOverflow="overflow"/>
+                </a:tc>
+                <a:tc>
+                  <a:txBody>
+                    <a:bodyPr/>
+                    <a:lstStyle/>
+                    <a:p>
+                      <a:pPr algn="ctr">
+                        <a:spcBef>
+                          <a:spcPts val="0"/>
+                        </a:spcBef>
+                        <a:defRPr sz="1800"/>
+                      </a:pPr>
+                      <a:r>
+                        <a:rPr sz="1100"/>
+                        <a:t>201</a:t>
+                      </a:r>
+                    </a:p>
+                  </a:txBody>
+                  <a:tcPr marL="0" marR="0" marT="0" marB="0" anchor="t" anchorCtr="0" horzOverflow="overflow"/>
+                </a:tc>
+              </a:tr>
+              <a:tr h="162646">
+                <a:tc>
+                  <a:txBody>
+                    <a:bodyPr/>
+                    <a:lstStyle/>
+                    <a:p>
+                      <a:pPr algn="ctr">
+                        <a:spcBef>
+                          <a:spcPts val="0"/>
+                        </a:spcBef>
+                        <a:defRPr sz="1800"/>
+                      </a:pPr>
+                      <a:r>
+                        <a:rPr sz="1100"/>
+                        <a:t>engine1</a:t>
+                      </a:r>
+                    </a:p>
+                  </a:txBody>
+                  <a:tcPr marL="0" marR="0" marT="0" marB="0" anchor="t" anchorCtr="0" horzOverflow="overflow"/>
+                </a:tc>
+                <a:tc>
+                  <a:txBody>
+                    <a:bodyPr/>
+                    <a:lstStyle/>
+                    <a:p>
+                      <a:pPr algn="ctr">
+                        <a:spcBef>
+                          <a:spcPts val="0"/>
+                        </a:spcBef>
+                        <a:defRPr sz="1800"/>
+                      </a:pPr>
+                      <a:r>
+                        <a:rPr sz="1100"/>
+                        <a:t>202</a:t>
+                      </a:r>
+                    </a:p>
+                  </a:txBody>
+                  <a:tcPr marL="0" marR="0" marT="0" marB="0" anchor="t" anchorCtr="0" horzOverflow="overflow"/>
+                </a:tc>
+              </a:tr>
+              <a:tr h="162646">
+                <a:tc>
+                  <a:txBody>
+                    <a:bodyPr/>
+                    <a:lstStyle/>
+                    <a:p>
+                      <a:pPr algn="ctr">
+                        <a:spcBef>
+                          <a:spcPts val="0"/>
+                        </a:spcBef>
+                        <a:defRPr sz="1800"/>
+                      </a:pPr>
+                      <a:r>
+                        <a:rPr sz="1100"/>
+                        <a:t>processor1</a:t>
+                      </a:r>
+                    </a:p>
+                  </a:txBody>
+                  <a:tcPr marL="0" marR="0" marT="0" marB="0" anchor="t" anchorCtr="0" horzOverflow="overflow"/>
+                </a:tc>
+                <a:tc>
+                  <a:txBody>
+                    <a:bodyPr/>
+                    <a:lstStyle/>
+                    <a:p>
+                      <a:pPr algn="ctr">
+                        <a:spcBef>
+                          <a:spcPts val="0"/>
+                        </a:spcBef>
+                        <a:defRPr sz="1800"/>
+                      </a:pPr>
+                      <a:r>
+                        <a:rPr sz="1100"/>
+                        <a:t>203</a:t>
+                      </a:r>
+                    </a:p>
+                  </a:txBody>
+                  <a:tcPr marL="0" marR="0" marT="0" marB="0" anchor="t" anchorCtr="0" horzOverflow="overflow"/>
+                </a:tc>
+              </a:tr>
+              <a:tr h="162646">
+                <a:tc>
+                  <a:txBody>
+                    <a:bodyPr/>
+                    <a:lstStyle/>
+                    <a:p>
+                      <a:pPr algn="ctr">
+                        <a:spcBef>
+                          <a:spcPts val="0"/>
+                        </a:spcBef>
+                        <a:defRPr sz="1800"/>
+                      </a:pPr>
+                      <a:r>
+                        <a:rPr sz="1100"/>
+                        <a:t>thermiccomp1</a:t>
+                      </a:r>
+                    </a:p>
+                  </a:txBody>
+                  <a:tcPr marL="0" marR="0" marT="0" marB="0" anchor="t" anchorCtr="0" horzOverflow="overflow"/>
+                </a:tc>
+                <a:tc>
+                  <a:txBody>
+                    <a:bodyPr/>
+                    <a:lstStyle/>
+                    <a:p>
+                      <a:pPr algn="ctr">
+                        <a:spcBef>
+                          <a:spcPts val="0"/>
+                        </a:spcBef>
+                        <a:defRPr sz="1800"/>
+                      </a:pPr>
+                      <a:r>
+                        <a:rPr sz="1100"/>
+                        <a:t>204</a:t>
+                      </a:r>
+                    </a:p>
+                  </a:txBody>
+                  <a:tcPr marL="0" marR="0" marT="0" marB="0" anchor="t" anchorCtr="0" horzOverflow="overflow"/>
+                </a:tc>
+              </a:tr>
+              <a:tr h="162646">
+                <a:tc>
+                  <a:txBody>
+                    <a:bodyPr/>
+                    <a:lstStyle/>
+                    <a:p>
+                      <a:pPr algn="ctr">
+                        <a:spcBef>
+                          <a:spcPts val="0"/>
+                        </a:spcBef>
+                        <a:defRPr sz="1800"/>
+                      </a:pPr>
+                      <a:r>
+                        <a:rPr sz="1100"/>
+                        <a:t>processor2</a:t>
+                      </a:r>
+                    </a:p>
+                  </a:txBody>
+                  <a:tcPr marL="0" marR="0" marT="0" marB="0" anchor="t" anchorCtr="0" horzOverflow="overflow"/>
+                </a:tc>
+                <a:tc>
+                  <a:txBody>
+                    <a:bodyPr/>
+                    <a:lstStyle/>
+                    <a:p>
+                      <a:pPr algn="ctr">
+                        <a:spcBef>
+                          <a:spcPts val="0"/>
+                        </a:spcBef>
+                        <a:defRPr sz="1800"/>
+                      </a:pPr>
+                      <a:r>
+                        <a:rPr sz="1100"/>
+                        <a:t>205</a:t>
+                      </a:r>
+                    </a:p>
+                  </a:txBody>
+                  <a:tcPr marL="0" marR="0" marT="0" marB="0" anchor="t" anchorCtr="0" horzOverflow="overflow"/>
+                </a:tc>
+              </a:tr>
+              <a:tr h="162646">
+                <a:tc>
+                  <a:txBody>
+                    <a:bodyPr/>
+                    <a:lstStyle/>
+                    <a:p>
+                      <a:pPr algn="ctr">
+                        <a:spcBef>
+                          <a:spcPts val="0"/>
+                        </a:spcBef>
+                        <a:defRPr sz="1800"/>
+                      </a:pPr>
+                      <a:r>
+                        <a:rPr sz="1100"/>
+                        <a:t>blade2</a:t>
+                      </a:r>
+                    </a:p>
+                  </a:txBody>
+                  <a:tcPr marL="0" marR="0" marT="0" marB="0" anchor="t" anchorCtr="0" horzOverflow="overflow"/>
+                </a:tc>
+                <a:tc>
+                  <a:txBody>
+                    <a:bodyPr/>
+                    <a:lstStyle/>
+                    <a:p>
+                      <a:pPr algn="ctr">
+                        <a:spcBef>
+                          <a:spcPts val="0"/>
+                        </a:spcBef>
+                        <a:defRPr sz="1800"/>
+                      </a:pPr>
+                      <a:r>
+                        <a:rPr sz="1100"/>
+                        <a:t>206</a:t>
+                      </a:r>
+                    </a:p>
+                  </a:txBody>
+                  <a:tcPr marL="0" marR="0" marT="0" marB="0" anchor="t" anchorCtr="0" horzOverflow="overflow"/>
+                </a:tc>
+              </a:tr>
+              <a:tr h="162646">
+                <a:tc>
+                  <a:txBody>
+                    <a:bodyPr/>
+                    <a:lstStyle/>
+                    <a:p>
+                      <a:pPr algn="ctr">
+                        <a:spcBef>
+                          <a:spcPts val="0"/>
+                        </a:spcBef>
+                        <a:defRPr sz="1800"/>
+                      </a:pPr>
+                      <a:r>
+                        <a:rPr sz="1100"/>
+                        <a:t>engine2</a:t>
+                      </a:r>
+                    </a:p>
+                  </a:txBody>
+                  <a:tcPr marL="0" marR="0" marT="0" marB="0" anchor="t" anchorCtr="0" horzOverflow="overflow"/>
+                </a:tc>
+                <a:tc>
+                  <a:txBody>
+                    <a:bodyPr/>
+                    <a:lstStyle/>
+                    <a:p>
+                      <a:pPr algn="ctr">
+                        <a:spcBef>
+                          <a:spcPts val="0"/>
+                        </a:spcBef>
+                        <a:defRPr sz="1800"/>
+                      </a:pPr>
+                      <a:r>
+                        <a:rPr sz="1100"/>
+                        <a:t>207</a:t>
+                      </a:r>
+                    </a:p>
+                  </a:txBody>
+                  <a:tcPr marL="0" marR="0" marT="0" marB="0" anchor="t" anchorCtr="0" horzOverflow="overflow"/>
+                </a:tc>
+              </a:tr>
+              <a:tr h="162646">
+                <a:tc>
+                  <a:txBody>
+                    <a:bodyPr/>
+                    <a:lstStyle/>
+                    <a:p>
+                      <a:pPr algn="ctr">
+                        <a:spcBef>
+                          <a:spcPts val="0"/>
+                        </a:spcBef>
+                        <a:defRPr sz="1800"/>
+                      </a:pPr>
+                      <a:r>
+                        <a:rPr sz="1100"/>
+                        <a:t>processor3</a:t>
+                      </a:r>
+                    </a:p>
+                  </a:txBody>
+                  <a:tcPr marL="0" marR="0" marT="0" marB="0" anchor="t" anchorCtr="0" horzOverflow="overflow"/>
+                </a:tc>
+                <a:tc>
+                  <a:txBody>
+                    <a:bodyPr/>
+                    <a:lstStyle/>
+                    <a:p>
+                      <a:pPr algn="ctr">
+                        <a:spcBef>
+                          <a:spcPts val="0"/>
+                        </a:spcBef>
+                        <a:defRPr sz="1800"/>
+                      </a:pPr>
+                      <a:r>
+                        <a:rPr sz="1100"/>
+                        <a:t>208</a:t>
+                      </a:r>
+                    </a:p>
+                  </a:txBody>
+                  <a:tcPr marL="0" marR="0" marT="0" marB="0" anchor="t" anchorCtr="0" horzOverflow="overflow"/>
+                </a:tc>
+              </a:tr>
+              <a:tr h="162646">
+                <a:tc>
+                  <a:txBody>
+                    <a:bodyPr/>
+                    <a:lstStyle/>
+                    <a:p>
+                      <a:pPr algn="ctr">
+                        <a:spcBef>
+                          <a:spcPts val="0"/>
+                        </a:spcBef>
+                        <a:defRPr sz="1800"/>
+                      </a:pPr>
+                      <a:r>
+                        <a:rPr sz="1100"/>
+                        <a:t>constrobot1</a:t>
+                      </a:r>
+                    </a:p>
+                  </a:txBody>
+                  <a:tcPr marL="0" marR="0" marT="0" marB="0" anchor="t" anchorCtr="0" horzOverflow="overflow"/>
+                </a:tc>
+                <a:tc>
+                  <a:txBody>
+                    <a:bodyPr/>
+                    <a:lstStyle/>
+                    <a:p>
+                      <a:pPr algn="ctr">
+                        <a:spcBef>
+                          <a:spcPts val="0"/>
+                        </a:spcBef>
+                        <a:defRPr sz="1800"/>
+                      </a:pPr>
+                      <a:r>
+                        <a:rPr sz="1100"/>
+                        <a:t>209</a:t>
+                      </a:r>
+                    </a:p>
+                  </a:txBody>
+                  <a:tcPr marL="0" marR="0" marT="0" marB="0" anchor="t" anchorCtr="0" horzOverflow="overflow"/>
+                </a:tc>
+              </a:tr>
+              <a:tr h="162646">
+                <a:tc>
+                  <a:txBody>
+                    <a:bodyPr/>
+                    <a:lstStyle/>
+                    <a:p>
+                      <a:pPr algn="ctr">
+                        <a:spcBef>
+                          <a:spcPts val="0"/>
+                        </a:spcBef>
+                        <a:defRPr sz="1800"/>
+                      </a:pPr>
+                      <a:r>
+                        <a:rPr sz="1100"/>
+                        <a:t>assemblyline</a:t>
+                      </a:r>
+                    </a:p>
+                  </a:txBody>
+                  <a:tcPr marL="0" marR="0" marT="0" marB="0" anchor="t" anchorCtr="0" horzOverflow="overflow"/>
+                </a:tc>
+                <a:tc>
+                  <a:txBody>
+                    <a:bodyPr/>
+                    <a:lstStyle/>
+                    <a:p>
+                      <a:pPr algn="ctr">
+                        <a:spcBef>
+                          <a:spcPts val="0"/>
+                        </a:spcBef>
+                        <a:defRPr sz="1800"/>
+                      </a:pPr>
+                      <a:r>
+                        <a:rPr sz="1100"/>
+                        <a:t>210</a:t>
+                      </a:r>
+                    </a:p>
+                  </a:txBody>
+                  <a:tcPr marL="0" marR="0" marT="0" marB="0" anchor="t" anchorCtr="0" horzOverflow="overflow"/>
+                </a:tc>
+              </a:tr>
+            </a:tbl>
+          </a:graphicData>
+        </a:graphic>
+      </p:graphicFrame>
+      <p:sp>
+        <p:nvSpPr>
+          <p:cNvPr id="640" name="Sind die IDs 204, 206, 207 Komponenten oder Sensoren?"/>
+          <p:cNvSpPr txBox="1"/>
+          <p:nvPr/>
+        </p:nvSpPr>
+        <p:spPr>
+          <a:xfrm>
+            <a:off x="6453477" y="1818997"/>
+            <a:ext cx="1487259" cy="975455"/>
+          </a:xfrm>
+          <a:prstGeom prst="rect">
+            <a:avLst/>
+          </a:prstGeom>
+          <a:ln w="12700">
+            <a:miter lim="400000"/>
+          </a:ln>
+          <a:extLst>
+            <a:ext uri="{C572A759-6A51-4108-AA02-DFA0A04FC94B}">
+              <ma14:wrappingTextBoxFlag xmlns:ma14="http://schemas.microsoft.com/office/mac/drawingml/2011/main" val="1"/>
+            </a:ext>
+          </a:extLst>
+        </p:spPr>
+        <p:txBody>
+          <a:bodyPr lIns="45719" rIns="45719">
+            <a:spAutoFit/>
+          </a:bodyPr>
+          <a:lstStyle>
+            <a:lvl1pPr>
+              <a:defRPr sz="1200"/>
+            </a:lvl1pPr>
+          </a:lstStyle>
+          <a:p>
+            <a:pPr/>
+            <a:r>
+              <a:t>Sind die IDs 204, 206, 207 Komponenten oder Sensoren?</a:t>
+            </a:r>
+          </a:p>
+        </p:txBody>
+      </p:sp>
+      <p:sp>
+        <p:nvSpPr>
+          <p:cNvPr id="641" name="Komponenten. Doch wer kann den Sensor reparieren?"/>
+          <p:cNvSpPr txBox="1"/>
+          <p:nvPr/>
+        </p:nvSpPr>
+        <p:spPr>
+          <a:xfrm>
+            <a:off x="6444964" y="4673600"/>
+            <a:ext cx="1214149" cy="975455"/>
+          </a:xfrm>
+          <a:prstGeom prst="rect">
+            <a:avLst/>
+          </a:prstGeom>
+          <a:ln w="12700">
+            <a:miter lim="400000"/>
+          </a:ln>
+          <a:extLst>
+            <a:ext uri="{C572A759-6A51-4108-AA02-DFA0A04FC94B}">
+              <ma14:wrappingTextBoxFlag xmlns:ma14="http://schemas.microsoft.com/office/mac/drawingml/2011/main" val="1"/>
+            </a:ext>
+          </a:extLst>
+        </p:spPr>
+        <p:txBody>
+          <a:bodyPr lIns="45719" rIns="45719">
+            <a:spAutoFit/>
+          </a:bodyPr>
+          <a:lstStyle>
+            <a:lvl1pPr>
+              <a:defRPr sz="1200"/>
+            </a:lvl1pPr>
+          </a:lstStyle>
+          <a:p>
+            <a:pPr/>
+            <a:r>
+              <a:t>Komponenten. Doch wer kann den Sensor reparieren?</a:t>
+            </a:r>
+          </a:p>
+        </p:txBody>
+      </p:sp>
+      <p:sp>
+        <p:nvSpPr>
+          <p:cNvPr id="642" name="Linie"/>
+          <p:cNvSpPr/>
+          <p:nvPr/>
+        </p:nvSpPr>
+        <p:spPr>
+          <a:xfrm flipV="1">
+            <a:off x="1841659" y="3429000"/>
+            <a:ext cx="463407" cy="1"/>
+          </a:xfrm>
+          <a:prstGeom prst="line">
+            <a:avLst/>
+          </a:prstGeom>
+          <a:ln w="25400">
+            <a:solidFill>
+              <a:schemeClr val="accent1"/>
+            </a:solidFill>
+            <a:tailEnd type="triangle"/>
+          </a:ln>
+          <a:effectLst>
+            <a:outerShdw sx="100000" sy="100000" kx="0" ky="0" algn="b" rotWithShape="0" blurRad="38100" dist="20000" dir="5400000">
+              <a:srgbClr val="000000">
+                <a:alpha val="38000"/>
+              </a:srgbClr>
+            </a:outerShdw>
+          </a:effectLst>
+        </p:spPr>
+        <p:txBody>
+          <a:bodyPr lIns="45719" rIns="45719"/>
+          <a:lstStyle/>
+          <a:p>
+            <a:pPr/>
+          </a:p>
+        </p:txBody>
+      </p:sp>
+      <p:sp>
+        <p:nvSpPr>
+          <p:cNvPr id="643" name="Linie"/>
+          <p:cNvSpPr/>
+          <p:nvPr/>
+        </p:nvSpPr>
+        <p:spPr>
+          <a:xfrm flipV="1">
+            <a:off x="3918254" y="3452297"/>
+            <a:ext cx="463406" cy="1"/>
+          </a:xfrm>
+          <a:prstGeom prst="line">
+            <a:avLst/>
+          </a:prstGeom>
+          <a:ln w="25400">
+            <a:solidFill>
+              <a:schemeClr val="accent1"/>
+            </a:solidFill>
+            <a:tailEnd type="triangle"/>
+          </a:ln>
+          <a:effectLst>
+            <a:outerShdw sx="100000" sy="100000" kx="0" ky="0" algn="b" rotWithShape="0" blurRad="38100" dist="20000" dir="5400000">
+              <a:srgbClr val="000000">
+                <a:alpha val="38000"/>
+              </a:srgbClr>
+            </a:outerShdw>
+          </a:effectLst>
+        </p:spPr>
+        <p:txBody>
+          <a:bodyPr lIns="45719" rIns="45719"/>
+          <a:lstStyle/>
+          <a:p>
+            <a:pPr/>
+          </a:p>
+        </p:txBody>
+      </p:sp>
+      <p:sp>
+        <p:nvSpPr>
+          <p:cNvPr id="644" name="Linie"/>
+          <p:cNvSpPr/>
+          <p:nvPr/>
+        </p:nvSpPr>
+        <p:spPr>
+          <a:xfrm flipV="1">
+            <a:off x="5928867" y="3477414"/>
+            <a:ext cx="463406" cy="1"/>
+          </a:xfrm>
+          <a:prstGeom prst="line">
+            <a:avLst/>
+          </a:prstGeom>
+          <a:ln w="25400">
+            <a:solidFill>
+              <a:schemeClr val="accent1"/>
+            </a:solidFill>
+            <a:tailEnd type="triangle"/>
+          </a:ln>
+          <a:effectLst>
+            <a:outerShdw sx="100000" sy="100000" kx="0" ky="0" algn="b" rotWithShape="0" blurRad="38100" dist="20000" dir="5400000">
+              <a:srgbClr val="000000">
+                <a:alpha val="38000"/>
+              </a:srgbClr>
+            </a:outerShdw>
+          </a:effectLst>
+        </p:spPr>
+        <p:txBody>
+          <a:bodyPr lIns="45719" rIns="45719"/>
+          <a:lstStyle/>
+          <a:p>
+            <a:pPr/>
           </a:p>
         </p:txBody>
       </p:sp>
@@ -12057,7 +14451,7 @@
       </p:grpSpPr>
       <p:sp>
         <p:nvSpPr>
-          <p:cNvPr id="630" name="Foliennummer"/>
+          <p:cNvPr id="646" name="Foliennummer"/>
           <p:cNvSpPr txBox="1"/>
           <p:nvPr>
             <p:ph type="sldNum" sz="quarter" idx="2"/>
@@ -12084,13 +14478,90 @@
       </p:sp>
       <p:sp>
         <p:nvSpPr>
-          <p:cNvPr id="631" name="Thank you for your attention.…"/>
+          <p:cNvPr id="647" name="Sources"/>
           <p:cNvSpPr txBox="1"/>
           <p:nvPr>
             <p:ph type="title"/>
           </p:nvPr>
         </p:nvSpPr>
         <p:spPr>
+          <a:prstGeom prst="rect">
+            <a:avLst/>
+          </a:prstGeom>
+        </p:spPr>
+        <p:txBody>
+          <a:bodyPr/>
+          <a:lstStyle/>
+          <a:p>
+            <a:pPr/>
+            <a:r>
+              <a:t>Sources</a:t>
+            </a:r>
+          </a:p>
+        </p:txBody>
+      </p:sp>
+    </p:spTree>
+  </p:cSld>
+  <p:clrMapOvr>
+    <a:masterClrMapping/>
+  </p:clrMapOvr>
+  <p:transition xmlns:p14="http://schemas.microsoft.com/office/powerpoint/2010/main" spd="med" advClick="1"/>
+</p:sld>
+</file>
+
+<file path=ppt/slides/slide16.xml><?xml version="1.0" encoding="utf-8"?>
+<p:sld xmlns:a="http://schemas.openxmlformats.org/drawingml/2006/main" xmlns:r="http://schemas.openxmlformats.org/officeDocument/2006/relationships" xmlns:p="http://schemas.openxmlformats.org/presentationml/2006/main" showMasterSp="1" showMasterPhAnim="1">
+  <p:cSld>
+    <p:spTree>
+      <p:nvGrpSpPr>
+        <p:cNvPr id="1" name=""/>
+        <p:cNvGrpSpPr/>
+        <p:nvPr/>
+      </p:nvGrpSpPr>
+      <p:grpSpPr>
+        <a:xfrm>
+          <a:off x="0" y="0"/>
+          <a:ext cx="0" cy="0"/>
+          <a:chOff x="0" y="0"/>
+          <a:chExt cx="0" cy="0"/>
+        </a:xfrm>
+      </p:grpSpPr>
+      <p:sp>
+        <p:nvSpPr>
+          <p:cNvPr id="649" name="Foliennummer"/>
+          <p:cNvSpPr txBox="1"/>
+          <p:nvPr>
+            <p:ph type="sldNum" sz="quarter" idx="2"/>
+          </p:nvPr>
+        </p:nvSpPr>
+        <p:spPr>
+          <a:prstGeom prst="rect">
+            <a:avLst/>
+          </a:prstGeom>
+          <a:extLst>
+            <a:ext uri="{C572A759-6A51-4108-AA02-DFA0A04FC94B}">
+              <ma14:wrappingTextBoxFlag xmlns:ma14="http://schemas.microsoft.com/office/mac/drawingml/2011/main" val="1"/>
+            </a:ext>
+          </a:extLst>
+        </p:spPr>
+        <p:txBody>
+          <a:bodyPr/>
+          <a:lstStyle/>
+          <a:p>
+            <a:pPr/>
+            <a:fld id="{86CB4B4D-7CA3-9044-876B-883B54F8677D}" type="slidenum"/>
+          </a:p>
+        </p:txBody>
+      </p:sp>
+      <p:sp>
+        <p:nvSpPr>
+          <p:cNvPr id="650" name="Thank you for your attention.…"/>
+          <p:cNvSpPr txBox="1"/>
+          <p:nvPr>
+            <p:ph type="title"/>
+          </p:nvPr>
+        </p:nvSpPr>
+        <p:spPr>
           <a:xfrm>
             <a:off x="722312" y="1917700"/>
             <a:ext cx="7772401" cy="1362075"/>
@@ -12127,7 +14598,7 @@
       </p:sp>
       <p:pic>
         <p:nvPicPr>
-          <p:cNvPr id="632" name="Bild" descr="Bild"/>
+          <p:cNvPr id="651" name="Bild" descr="Bild"/>
           <p:cNvPicPr>
             <a:picLocks noChangeAspect="1"/>
           </p:cNvPicPr>
@@ -17023,8 +19494,8 @@
         </p:nvSpPr>
         <p:spPr>
           <a:xfrm>
-            <a:off x="3496182" y="3443882"/>
-            <a:ext cx="843149" cy="315932"/>
+            <a:off x="3496181" y="3443882"/>
+            <a:ext cx="843150" cy="315932"/>
           </a:xfrm>
           <a:prstGeom prst="rect">
             <a:avLst/>
@@ -17905,8 +20376,8 @@
         </p:nvSpPr>
         <p:spPr>
           <a:xfrm>
-            <a:off x="7557102" y="5049134"/>
-            <a:ext cx="720505" cy="365766"/>
+            <a:off x="7557103" y="5049134"/>
+            <a:ext cx="720504" cy="365765"/>
           </a:xfrm>
           <a:prstGeom prst="rect">
             <a:avLst/>
@@ -18024,7 +20495,7 @@
         <p:spPr>
           <a:xfrm>
             <a:off x="8123033" y="5479212"/>
-            <a:ext cx="843150" cy="315932"/>
+            <a:ext cx="843149" cy="315932"/>
           </a:xfrm>
           <a:prstGeom prst="rect">
             <a:avLst/>
@@ -18534,8 +21005,8 @@
           <p:nvPr/>
         </p:nvGraphicFramePr>
         <p:xfrm>
-          <a:off x="5132169" y="1640681"/>
-          <a:ext cx="1504285" cy="1964458"/>
+          <a:off x="5132169" y="1640682"/>
+          <a:ext cx="1504285" cy="1964457"/>
         </p:xfrm>
         <a:graphic xmlns:a="http://schemas.openxmlformats.org/drawingml/2006/main">
           <a:graphicData uri="http://schemas.openxmlformats.org/drawingml/2006/table">
@@ -19022,8 +21493,8 @@
           <p:nvPr/>
         </p:nvGraphicFramePr>
         <p:xfrm>
-          <a:off x="2682058" y="3283750"/>
-          <a:ext cx="1379696" cy="1326170"/>
+          <a:off x="2682058" y="3283749"/>
+          <a:ext cx="1379696" cy="1326171"/>
         </p:xfrm>
         <a:graphic xmlns:a="http://schemas.openxmlformats.org/drawingml/2006/main">
           <a:graphicData uri="http://schemas.openxmlformats.org/drawingml/2006/table">
@@ -21456,7 +23927,7 @@
         <p:spPr>
           <a:xfrm flipV="1">
             <a:off x="2338035" y="1277809"/>
-            <a:ext cx="1" cy="1515847"/>
+            <a:ext cx="1" cy="1515848"/>
           </a:xfrm>
           <a:prstGeom prst="line">
             <a:avLst/>
@@ -21562,7 +24033,7 @@
         <p:spPr>
           <a:xfrm>
             <a:off x="2381614" y="2914489"/>
-            <a:ext cx="2190387" cy="1"/>
+            <a:ext cx="2190386" cy="1"/>
           </a:xfrm>
           <a:prstGeom prst="line">
             <a:avLst/>
@@ -21667,8 +24138,8 @@
         </p:nvSpPr>
         <p:spPr>
           <a:xfrm>
-            <a:off x="4079838" y="3009399"/>
-            <a:ext cx="455345" cy="1"/>
+            <a:off x="4079838" y="3009400"/>
+            <a:ext cx="455346" cy="1"/>
           </a:xfrm>
           <a:prstGeom prst="line">
             <a:avLst/>
@@ -28508,8 +30979,8 @@
           <p:nvPr/>
         </p:nvGraphicFramePr>
         <p:xfrm>
-          <a:off x="3982193" y="2052895"/>
-          <a:ext cx="1583893" cy="2160330"/>
+          <a:off x="3982193" y="2052896"/>
+          <a:ext cx="1583893" cy="2160329"/>
         </p:xfrm>
         <a:graphic xmlns:a="http://schemas.openxmlformats.org/drawingml/2006/main">
           <a:graphicData uri="http://schemas.openxmlformats.org/drawingml/2006/table">
@@ -29620,7 +32091,7 @@
           <p:nvPr/>
         </p:nvGraphicFramePr>
         <p:xfrm>
-          <a:off x="6637775" y="1948497"/>
+          <a:off x="6637776" y="1948497"/>
           <a:ext cx="1497725" cy="3301358"/>
         </p:xfrm>
         <a:graphic xmlns:a="http://schemas.openxmlformats.org/drawingml/2006/main">

--- a/Abschlusspräsentation_V0.3.pptx
+++ b/Abschlusspräsentation_V0.3.pptx
@@ -10339,7 +10339,7 @@
         </p:nvGraphicFramePr>
         <p:xfrm>
           <a:off x="755650" y="3625605"/>
-          <a:ext cx="1390889" cy="1610367"/>
+          <a:ext cx="1378188" cy="1597662"/>
         </p:xfrm>
         <a:graphic>
           <a:graphicData uri="http://schemas.openxmlformats.org/drawingml/2006/table">
@@ -10714,7 +10714,7 @@
         </p:nvGraphicFramePr>
         <p:xfrm>
           <a:off x="3053554" y="2134941"/>
-          <a:ext cx="1727906" cy="712811"/>
+          <a:ext cx="1715204" cy="718457"/>
         </p:xfrm>
         <a:graphic>
           <a:graphicData uri="http://schemas.openxmlformats.org/drawingml/2006/table">
@@ -10917,7 +10917,7 @@
         </p:nvGraphicFramePr>
         <p:xfrm>
           <a:off x="2966462" y="3631955"/>
-          <a:ext cx="1618238" cy="1597667"/>
+          <a:ext cx="1605536" cy="1584963"/>
         </p:xfrm>
         <a:graphic>
           <a:graphicData uri="http://schemas.openxmlformats.org/drawingml/2006/table">
@@ -11360,7 +11360,7 @@
         </p:nvGraphicFramePr>
         <p:xfrm>
           <a:off x="6011862" y="3128717"/>
-          <a:ext cx="1279891" cy="751683"/>
+          <a:ext cx="1267188" cy="738980"/>
         </p:xfrm>
         <a:graphic>
           <a:graphicData uri="http://schemas.openxmlformats.org/drawingml/2006/table">
@@ -11563,7 +11563,7 @@
         </p:nvGraphicFramePr>
         <p:xfrm>
           <a:off x="5828626" y="1260285"/>
-          <a:ext cx="1204143" cy="764383"/>
+          <a:ext cx="1191440" cy="751680"/>
         </p:xfrm>
         <a:graphic>
           <a:graphicData uri="http://schemas.openxmlformats.org/drawingml/2006/table">
@@ -20664,8 +20664,14 @@
           </a:lstStyle>
           <a:p>
             <a:r>
-              <a:t>ID 005</a:t>
-            </a:r>
+              <a:rPr dirty="0"/>
+              <a:t>ID </a:t>
+            </a:r>
+            <a:r>
+              <a:rPr lang="de-DE" dirty="0" smtClean="0"/>
+              <a:t>106</a:t>
+            </a:r>
+            <a:endParaRPr dirty="0"/>
           </a:p>
         </p:txBody>
       </p:sp>
@@ -21276,7 +21282,7 @@
                         <a:defRPr sz="1800"/>
                       </a:pPr>
                       <a:r>
-                        <a:rPr sz="1100" i="1"/>
+                        <a:rPr sz="1100" i="1" dirty="0"/>
                         <a:t>component</a:t>
                       </a:r>
                     </a:p>
@@ -21446,7 +21452,7 @@
                         <a:defRPr sz="1800"/>
                       </a:pPr>
                       <a:r>
-                        <a:rPr sz="1100"/>
+                        <a:rPr sz="1100" dirty="0"/>
                         <a:t>203</a:t>
                       </a:r>
                     </a:p>
@@ -31275,7 +31281,7 @@
         </p:nvGraphicFramePr>
         <p:xfrm>
           <a:off x="3982193" y="2052896"/>
-          <a:ext cx="1583893" cy="2160329"/>
+          <a:ext cx="1571191" cy="2147628"/>
         </p:xfrm>
         <a:graphic>
           <a:graphicData uri="http://schemas.openxmlformats.org/drawingml/2006/table">
@@ -31770,7 +31776,7 @@
         </p:nvGraphicFramePr>
         <p:xfrm>
           <a:off x="700370" y="1766759"/>
-          <a:ext cx="1341585" cy="1516065"/>
+          <a:ext cx="1328884" cy="1508760"/>
         </p:xfrm>
         <a:graphic>
           <a:graphicData uri="http://schemas.openxmlformats.org/drawingml/2006/table">
@@ -32153,7 +32159,7 @@
         </p:nvGraphicFramePr>
         <p:xfrm>
           <a:off x="1489482" y="4295241"/>
-          <a:ext cx="1582490" cy="1111546"/>
+          <a:ext cx="1569787" cy="1098840"/>
         </p:xfrm>
         <a:graphic>
           <a:graphicData uri="http://schemas.openxmlformats.org/drawingml/2006/table">
@@ -32408,7 +32414,7 @@
         </p:nvGraphicFramePr>
         <p:xfrm>
           <a:off x="6637776" y="1948497"/>
-          <a:ext cx="1497725" cy="3301358"/>
+          <a:ext cx="1485023" cy="3352800"/>
         </p:xfrm>
         <a:graphic>
           <a:graphicData uri="http://schemas.openxmlformats.org/drawingml/2006/table">
